--- a/Sessions/MarkDown & MkDocs.pptx
+++ b/Sessions/MarkDown & MkDocs.pptx
@@ -5,10 +5,10 @@
     <p:sldMasterId id="2147483670" r:id="rId4"/>
   </p:sldMasterIdLst>
   <p:notesMasterIdLst>
-    <p:notesMasterId r:id="rId20"/>
+    <p:notesMasterId r:id="rId13"/>
   </p:notesMasterIdLst>
   <p:handoutMasterIdLst>
-    <p:handoutMasterId r:id="rId21"/>
+    <p:handoutMasterId r:id="rId14"/>
   </p:handoutMasterIdLst>
   <p:sldIdLst>
     <p:sldId id="363" r:id="rId5"/>
@@ -18,14 +18,7 @@
     <p:sldId id="372" r:id="rId9"/>
     <p:sldId id="373" r:id="rId10"/>
     <p:sldId id="374" r:id="rId11"/>
-    <p:sldId id="378" r:id="rId12"/>
-    <p:sldId id="377" r:id="rId13"/>
-    <p:sldId id="376" r:id="rId14"/>
-    <p:sldId id="380" r:id="rId15"/>
-    <p:sldId id="381" r:id="rId16"/>
-    <p:sldId id="375" r:id="rId17"/>
-    <p:sldId id="379" r:id="rId18"/>
-    <p:sldId id="362" r:id="rId19"/>
+    <p:sldId id="362" r:id="rId12"/>
   </p:sldIdLst>
   <p:sldSz cx="9144000" cy="5143500" type="screen16x9"/>
   <p:notesSz cx="7010400" cy="9296400"/>
@@ -10932,1543 +10925,6 @@
 </p:sld>
 </file>
 
-<file path=ppt/slides/slide10.xml><?xml version="1.0" encoding="utf-8"?>
-<p:sld xmlns:a="http://schemas.openxmlformats.org/drawingml/2006/main" xmlns:r="http://schemas.openxmlformats.org/officeDocument/2006/relationships" xmlns:p="http://schemas.openxmlformats.org/presentationml/2006/main">
-  <p:cSld>
-    <p:spTree>
-      <p:nvGrpSpPr>
-        <p:cNvPr id="1" name=""/>
-        <p:cNvGrpSpPr/>
-        <p:nvPr/>
-      </p:nvGrpSpPr>
-      <p:grpSpPr>
-        <a:xfrm>
-          <a:off x="0" y="0"/>
-          <a:ext cx="0" cy="0"/>
-          <a:chOff x="0" y="0"/>
-          <a:chExt cx="0" cy="0"/>
-        </a:xfrm>
-      </p:grpSpPr>
-      <p:sp>
-        <p:nvSpPr>
-          <p:cNvPr id="2" name="Title 1">
-            <a:extLst>
-              <a:ext uri="{FF2B5EF4-FFF2-40B4-BE49-F238E27FC236}">
-                <a16:creationId xmlns:a16="http://schemas.microsoft.com/office/drawing/2014/main" id="{0FF85D2B-1BCC-F946-82B5-D206508D357E}"/>
-              </a:ext>
-            </a:extLst>
-          </p:cNvPr>
-          <p:cNvSpPr>
-            <a:spLocks noGrp="1"/>
-          </p:cNvSpPr>
-          <p:nvPr>
-            <p:ph type="title"/>
-          </p:nvPr>
-        </p:nvSpPr>
-        <p:spPr>
-          <a:xfrm>
-            <a:off x="800100" y="463550"/>
-            <a:ext cx="5770684" cy="283619"/>
-          </a:xfrm>
-        </p:spPr>
-        <p:txBody>
-          <a:bodyPr>
-            <a:normAutofit/>
-          </a:bodyPr>
-          <a:lstStyle/>
-          <a:p>
-            <a:r>
-              <a:rPr lang="en-US" sz="1400" dirty="0">
-                <a:latin typeface="Calibri" panose="020F0502020204030204" pitchFamily="34" charset="0"/>
-                <a:cs typeface="Calibri" panose="020F0502020204030204" pitchFamily="34" charset="0"/>
-              </a:rPr>
-              <a:t>Angular Universal – Prod Build Steps </a:t>
-            </a:r>
-          </a:p>
-        </p:txBody>
-      </p:sp>
-      <p:sp>
-        <p:nvSpPr>
-          <p:cNvPr id="4" name="Slide Number Placeholder 3">
-            <a:extLst>
-              <a:ext uri="{FF2B5EF4-FFF2-40B4-BE49-F238E27FC236}">
-                <a16:creationId xmlns:a16="http://schemas.microsoft.com/office/drawing/2014/main" id="{DB8AF244-0BF6-154F-9166-4EE14B21B811}"/>
-              </a:ext>
-            </a:extLst>
-          </p:cNvPr>
-          <p:cNvSpPr>
-            <a:spLocks noGrp="1"/>
-          </p:cNvSpPr>
-          <p:nvPr>
-            <p:ph type="sldNum" sz="quarter" idx="12"/>
-          </p:nvPr>
-        </p:nvSpPr>
-        <p:spPr/>
-        <p:txBody>
-          <a:bodyPr/>
-          <a:lstStyle/>
-          <a:p>
-            <a:fld id="{90F9BDA0-AF0E-4BA8-B742-3B9C92A3E6FE}" type="slidenum">
-              <a:rPr lang="en-US" smtClean="0"/>
-              <a:t>10</a:t>
-            </a:fld>
-            <a:endParaRPr lang="en-US" dirty="0"/>
-          </a:p>
-        </p:txBody>
-      </p:sp>
-      <p:pic>
-        <p:nvPicPr>
-          <p:cNvPr id="8" name="Content Placeholder 7">
-            <a:extLst>
-              <a:ext uri="{FF2B5EF4-FFF2-40B4-BE49-F238E27FC236}">
-                <a16:creationId xmlns:a16="http://schemas.microsoft.com/office/drawing/2014/main" id="{A8A43F73-C104-46A1-A7E8-70F068B8D5F3}"/>
-              </a:ext>
-            </a:extLst>
-          </p:cNvPr>
-          <p:cNvPicPr>
-            <a:picLocks noGrp="1"/>
-          </p:cNvPicPr>
-          <p:nvPr>
-            <p:ph idx="1"/>
-          </p:nvPr>
-        </p:nvPicPr>
-        <p:blipFill>
-          <a:blip r:embed="rId2"/>
-          <a:stretch>
-            <a:fillRect/>
-          </a:stretch>
-        </p:blipFill>
-        <p:spPr>
-          <a:xfrm>
-            <a:off x="1157287" y="1204913"/>
-            <a:ext cx="7059613" cy="3100388"/>
-          </a:xfrm>
-          <a:prstGeom prst="rect">
-            <a:avLst/>
-          </a:prstGeom>
-        </p:spPr>
-      </p:pic>
-    </p:spTree>
-    <p:extLst>
-      <p:ext uri="{BB962C8B-B14F-4D97-AF65-F5344CB8AC3E}">
-        <p14:creationId xmlns:p14="http://schemas.microsoft.com/office/powerpoint/2010/main" val="413860547"/>
-      </p:ext>
-    </p:extLst>
-  </p:cSld>
-  <p:clrMapOvr>
-    <a:masterClrMapping/>
-  </p:clrMapOvr>
-  <mc:AlternateContent xmlns:mc="http://schemas.openxmlformats.org/markup-compatibility/2006" xmlns:p14="http://schemas.microsoft.com/office/powerpoint/2010/main">
-    <mc:Choice Requires="p14">
-      <p:transition p14:dur="300">
-        <p:fade/>
-      </p:transition>
-    </mc:Choice>
-    <mc:Fallback xmlns="">
-      <p:transition xmlns:p14="http://schemas.microsoft.com/office/powerpoint/2010/main">
-        <p:fade/>
-      </p:transition>
-    </mc:Fallback>
-  </mc:AlternateContent>
-</p:sld>
-</file>
-
-<file path=ppt/slides/slide11.xml><?xml version="1.0" encoding="utf-8"?>
-<p:sld xmlns:a="http://schemas.openxmlformats.org/drawingml/2006/main" xmlns:r="http://schemas.openxmlformats.org/officeDocument/2006/relationships" xmlns:p="http://schemas.openxmlformats.org/presentationml/2006/main">
-  <p:cSld>
-    <p:spTree>
-      <p:nvGrpSpPr>
-        <p:cNvPr id="1" name=""/>
-        <p:cNvGrpSpPr/>
-        <p:nvPr/>
-      </p:nvGrpSpPr>
-      <p:grpSpPr>
-        <a:xfrm>
-          <a:off x="0" y="0"/>
-          <a:ext cx="0" cy="0"/>
-          <a:chOff x="0" y="0"/>
-          <a:chExt cx="0" cy="0"/>
-        </a:xfrm>
-      </p:grpSpPr>
-      <p:sp>
-        <p:nvSpPr>
-          <p:cNvPr id="2" name="Title 1">
-            <a:extLst>
-              <a:ext uri="{FF2B5EF4-FFF2-40B4-BE49-F238E27FC236}">
-                <a16:creationId xmlns:a16="http://schemas.microsoft.com/office/drawing/2014/main" id="{0FF85D2B-1BCC-F946-82B5-D206508D357E}"/>
-              </a:ext>
-            </a:extLst>
-          </p:cNvPr>
-          <p:cNvSpPr>
-            <a:spLocks noGrp="1"/>
-          </p:cNvSpPr>
-          <p:nvPr>
-            <p:ph type="title"/>
-          </p:nvPr>
-        </p:nvSpPr>
-        <p:spPr>
-          <a:xfrm>
-            <a:off x="800100" y="221850"/>
-            <a:ext cx="5770684" cy="525319"/>
-          </a:xfrm>
-        </p:spPr>
-        <p:txBody>
-          <a:bodyPr>
-            <a:normAutofit/>
-          </a:bodyPr>
-          <a:lstStyle/>
-          <a:p>
-            <a:r>
-              <a:rPr lang="en-US" sz="1400" dirty="0">
-                <a:latin typeface="Calibri" panose="020F0502020204030204" pitchFamily="34" charset="0"/>
-                <a:cs typeface="Calibri" panose="020F0502020204030204" pitchFamily="34" charset="0"/>
-              </a:rPr>
-              <a:t>Prerendering in Angular Universal </a:t>
-            </a:r>
-          </a:p>
-        </p:txBody>
-      </p:sp>
-      <p:sp>
-        <p:nvSpPr>
-          <p:cNvPr id="4" name="Slide Number Placeholder 3">
-            <a:extLst>
-              <a:ext uri="{FF2B5EF4-FFF2-40B4-BE49-F238E27FC236}">
-                <a16:creationId xmlns:a16="http://schemas.microsoft.com/office/drawing/2014/main" id="{DB8AF244-0BF6-154F-9166-4EE14B21B811}"/>
-              </a:ext>
-            </a:extLst>
-          </p:cNvPr>
-          <p:cNvSpPr>
-            <a:spLocks noGrp="1"/>
-          </p:cNvSpPr>
-          <p:nvPr>
-            <p:ph type="sldNum" sz="quarter" idx="12"/>
-          </p:nvPr>
-        </p:nvSpPr>
-        <p:spPr/>
-        <p:txBody>
-          <a:bodyPr/>
-          <a:lstStyle/>
-          <a:p>
-            <a:fld id="{90F9BDA0-AF0E-4BA8-B742-3B9C92A3E6FE}" type="slidenum">
-              <a:rPr lang="en-US" smtClean="0"/>
-              <a:t>11</a:t>
-            </a:fld>
-            <a:endParaRPr lang="en-US" dirty="0"/>
-          </a:p>
-        </p:txBody>
-      </p:sp>
-      <p:sp>
-        <p:nvSpPr>
-          <p:cNvPr id="9" name="TextBox 8">
-            <a:extLst>
-              <a:ext uri="{FF2B5EF4-FFF2-40B4-BE49-F238E27FC236}">
-                <a16:creationId xmlns:a16="http://schemas.microsoft.com/office/drawing/2014/main" id="{8C655007-744B-48F1-9C73-563898FA160E}"/>
-              </a:ext>
-            </a:extLst>
-          </p:cNvPr>
-          <p:cNvSpPr txBox="1"/>
-          <p:nvPr/>
-        </p:nvSpPr>
-        <p:spPr>
-          <a:xfrm>
-            <a:off x="3511550" y="912277"/>
-            <a:ext cx="2210990" cy="261610"/>
-          </a:xfrm>
-          <a:prstGeom prst="rect">
-            <a:avLst/>
-          </a:prstGeom>
-          <a:noFill/>
-        </p:spPr>
-        <p:txBody>
-          <a:bodyPr wrap="square" rtlCol="0">
-            <a:spAutoFit/>
-          </a:bodyPr>
-          <a:lstStyle/>
-          <a:p>
-            <a:pPr>
-              <a:spcAft>
-                <a:spcPts val="400"/>
-              </a:spcAft>
-              <a:buClr>
-                <a:schemeClr val="accent3"/>
-              </a:buClr>
-            </a:pPr>
-            <a:r>
-              <a:rPr lang="en-US" sz="1100" dirty="0">
-                <a:solidFill>
-                  <a:srgbClr val="4D4D4D"/>
-                </a:solidFill>
-                <a:latin typeface="Calibri" panose="020F0502020204030204" pitchFamily="34" charset="0"/>
-                <a:cs typeface="Calibri" panose="020F0502020204030204" pitchFamily="34" charset="0"/>
-              </a:rPr>
-              <a:t>NPM SCRIPT  : </a:t>
-            </a:r>
-            <a:r>
-              <a:rPr lang="en-US" sz="1100" dirty="0" err="1">
-                <a:solidFill>
-                  <a:srgbClr val="4D4D4D"/>
-                </a:solidFill>
-                <a:latin typeface="Calibri" panose="020F0502020204030204" pitchFamily="34" charset="0"/>
-                <a:cs typeface="Calibri" panose="020F0502020204030204" pitchFamily="34" charset="0"/>
-              </a:rPr>
-              <a:t>npm</a:t>
-            </a:r>
-            <a:r>
-              <a:rPr lang="en-US" sz="1100" dirty="0">
-                <a:solidFill>
-                  <a:srgbClr val="4D4D4D"/>
-                </a:solidFill>
-                <a:latin typeface="Calibri" panose="020F0502020204030204" pitchFamily="34" charset="0"/>
-                <a:cs typeface="Calibri" panose="020F0502020204030204" pitchFamily="34" charset="0"/>
-              </a:rPr>
-              <a:t> run prerender</a:t>
-            </a:r>
-          </a:p>
-        </p:txBody>
-      </p:sp>
-      <p:pic>
-        <p:nvPicPr>
-          <p:cNvPr id="3" name="Picture 2">
-            <a:extLst>
-              <a:ext uri="{FF2B5EF4-FFF2-40B4-BE49-F238E27FC236}">
-                <a16:creationId xmlns:a16="http://schemas.microsoft.com/office/drawing/2014/main" id="{D153A9B6-CA8E-431A-91BE-2E1107698E53}"/>
-              </a:ext>
-            </a:extLst>
-          </p:cNvPr>
-          <p:cNvPicPr>
-            <a:picLocks noChangeAspect="1"/>
-          </p:cNvPicPr>
-          <p:nvPr/>
-        </p:nvPicPr>
-        <p:blipFill>
-          <a:blip r:embed="rId2"/>
-          <a:stretch>
-            <a:fillRect/>
-          </a:stretch>
-        </p:blipFill>
-        <p:spPr>
-          <a:xfrm>
-            <a:off x="1525587" y="1941740"/>
-            <a:ext cx="1985963" cy="2403247"/>
-          </a:xfrm>
-          <a:prstGeom prst="rect">
-            <a:avLst/>
-          </a:prstGeom>
-        </p:spPr>
-      </p:pic>
-      <p:sp>
-        <p:nvSpPr>
-          <p:cNvPr id="5" name="TextBox 4">
-            <a:extLst>
-              <a:ext uri="{FF2B5EF4-FFF2-40B4-BE49-F238E27FC236}">
-                <a16:creationId xmlns:a16="http://schemas.microsoft.com/office/drawing/2014/main" id="{5CEE1E10-B6B9-4403-91C7-B99957FE769E}"/>
-              </a:ext>
-            </a:extLst>
-          </p:cNvPr>
-          <p:cNvSpPr txBox="1"/>
-          <p:nvPr/>
-        </p:nvSpPr>
-        <p:spPr>
-          <a:xfrm>
-            <a:off x="1934113" y="1687308"/>
-            <a:ext cx="1168910" cy="253916"/>
-          </a:xfrm>
-          <a:prstGeom prst="rect">
-            <a:avLst/>
-          </a:prstGeom>
-          <a:noFill/>
-        </p:spPr>
-        <p:txBody>
-          <a:bodyPr wrap="none" rtlCol="0">
-            <a:spAutoFit/>
-          </a:bodyPr>
-          <a:lstStyle/>
-          <a:p>
-            <a:pPr>
-              <a:spcAft>
-                <a:spcPts val="400"/>
-              </a:spcAft>
-              <a:buClr>
-                <a:schemeClr val="accent3"/>
-              </a:buClr>
-            </a:pPr>
-            <a:r>
-              <a:rPr lang="en-US" sz="1050" dirty="0">
-                <a:solidFill>
-                  <a:srgbClr val="4D4D4D"/>
-                </a:solidFill>
-              </a:rPr>
-              <a:t>Pre-render Build</a:t>
-            </a:r>
-          </a:p>
-        </p:txBody>
-      </p:sp>
-      <p:sp>
-        <p:nvSpPr>
-          <p:cNvPr id="10" name="TextBox 9">
-            <a:extLst>
-              <a:ext uri="{FF2B5EF4-FFF2-40B4-BE49-F238E27FC236}">
-                <a16:creationId xmlns:a16="http://schemas.microsoft.com/office/drawing/2014/main" id="{2DA17021-9577-498A-A880-EA6113B310DC}"/>
-              </a:ext>
-            </a:extLst>
-          </p:cNvPr>
-          <p:cNvSpPr txBox="1"/>
-          <p:nvPr/>
-        </p:nvSpPr>
-        <p:spPr>
-          <a:xfrm>
-            <a:off x="6040979" y="1687308"/>
-            <a:ext cx="1258678" cy="253916"/>
-          </a:xfrm>
-          <a:prstGeom prst="rect">
-            <a:avLst/>
-          </a:prstGeom>
-          <a:noFill/>
-        </p:spPr>
-        <p:txBody>
-          <a:bodyPr wrap="none" rtlCol="0">
-            <a:spAutoFit/>
-          </a:bodyPr>
-          <a:lstStyle/>
-          <a:p>
-            <a:pPr>
-              <a:spcAft>
-                <a:spcPts val="400"/>
-              </a:spcAft>
-              <a:buClr>
-                <a:schemeClr val="accent3"/>
-              </a:buClr>
-            </a:pPr>
-            <a:r>
-              <a:rPr lang="en-US" sz="1050" dirty="0">
-                <a:solidFill>
-                  <a:srgbClr val="4D4D4D"/>
-                </a:solidFill>
-              </a:rPr>
-              <a:t>Server-side Build</a:t>
-            </a:r>
-          </a:p>
-        </p:txBody>
-      </p:sp>
-      <p:pic>
-        <p:nvPicPr>
-          <p:cNvPr id="6" name="Picture 5">
-            <a:extLst>
-              <a:ext uri="{FF2B5EF4-FFF2-40B4-BE49-F238E27FC236}">
-                <a16:creationId xmlns:a16="http://schemas.microsoft.com/office/drawing/2014/main" id="{3FECD2A6-55B1-4B49-B0A7-34A9C330CA9F}"/>
-              </a:ext>
-            </a:extLst>
-          </p:cNvPr>
-          <p:cNvPicPr>
-            <a:picLocks noChangeAspect="1"/>
-          </p:cNvPicPr>
-          <p:nvPr/>
-        </p:nvPicPr>
-        <p:blipFill>
-          <a:blip r:embed="rId3"/>
-          <a:stretch>
-            <a:fillRect/>
-          </a:stretch>
-        </p:blipFill>
-        <p:spPr>
-          <a:xfrm>
-            <a:off x="5632452" y="1941224"/>
-            <a:ext cx="2008242" cy="2109498"/>
-          </a:xfrm>
-          <a:prstGeom prst="rect">
-            <a:avLst/>
-          </a:prstGeom>
-        </p:spPr>
-      </p:pic>
-      <p:cxnSp>
-        <p:nvCxnSpPr>
-          <p:cNvPr id="11" name="Straight Connector 10">
-            <a:extLst>
-              <a:ext uri="{FF2B5EF4-FFF2-40B4-BE49-F238E27FC236}">
-                <a16:creationId xmlns:a16="http://schemas.microsoft.com/office/drawing/2014/main" id="{872E130D-35DA-489F-BC8D-8828461A6BE2}"/>
-              </a:ext>
-            </a:extLst>
-          </p:cNvPr>
-          <p:cNvCxnSpPr/>
-          <p:nvPr/>
-        </p:nvCxnSpPr>
-        <p:spPr>
-          <a:xfrm>
-            <a:off x="4813300" y="1536700"/>
-            <a:ext cx="0" cy="2808287"/>
-          </a:xfrm>
-          <a:prstGeom prst="line">
-            <a:avLst/>
-          </a:prstGeom>
-          <a:ln>
-            <a:solidFill>
-              <a:srgbClr val="00A8F7"/>
-            </a:solidFill>
-          </a:ln>
-        </p:spPr>
-        <p:style>
-          <a:lnRef idx="1">
-            <a:schemeClr val="accent1"/>
-          </a:lnRef>
-          <a:fillRef idx="0">
-            <a:schemeClr val="accent1"/>
-          </a:fillRef>
-          <a:effectRef idx="0">
-            <a:schemeClr val="accent1"/>
-          </a:effectRef>
-          <a:fontRef idx="minor">
-            <a:schemeClr val="tx1"/>
-          </a:fontRef>
-        </p:style>
-      </p:cxnSp>
-    </p:spTree>
-    <p:extLst>
-      <p:ext uri="{BB962C8B-B14F-4D97-AF65-F5344CB8AC3E}">
-        <p14:creationId xmlns:p14="http://schemas.microsoft.com/office/powerpoint/2010/main" val="1682277905"/>
-      </p:ext>
-    </p:extLst>
-  </p:cSld>
-  <p:clrMapOvr>
-    <a:masterClrMapping/>
-  </p:clrMapOvr>
-  <mc:AlternateContent xmlns:mc="http://schemas.openxmlformats.org/markup-compatibility/2006" xmlns:p14="http://schemas.microsoft.com/office/powerpoint/2010/main">
-    <mc:Choice Requires="p14">
-      <p:transition p14:dur="300">
-        <p:fade/>
-      </p:transition>
-    </mc:Choice>
-    <mc:Fallback xmlns="">
-      <p:transition xmlns:p14="http://schemas.microsoft.com/office/powerpoint/2010/main">
-        <p:fade/>
-      </p:transition>
-    </mc:Fallback>
-  </mc:AlternateContent>
-</p:sld>
-</file>
-
-<file path=ppt/slides/slide12.xml><?xml version="1.0" encoding="utf-8"?>
-<p:sld xmlns:a="http://schemas.openxmlformats.org/drawingml/2006/main" xmlns:r="http://schemas.openxmlformats.org/officeDocument/2006/relationships" xmlns:p="http://schemas.openxmlformats.org/presentationml/2006/main">
-  <p:cSld>
-    <p:spTree>
-      <p:nvGrpSpPr>
-        <p:cNvPr id="1" name=""/>
-        <p:cNvGrpSpPr/>
-        <p:nvPr/>
-      </p:nvGrpSpPr>
-      <p:grpSpPr>
-        <a:xfrm>
-          <a:off x="0" y="0"/>
-          <a:ext cx="0" cy="0"/>
-          <a:chOff x="0" y="0"/>
-          <a:chExt cx="0" cy="0"/>
-        </a:xfrm>
-      </p:grpSpPr>
-      <p:sp>
-        <p:nvSpPr>
-          <p:cNvPr id="2" name="Title 1">
-            <a:extLst>
-              <a:ext uri="{FF2B5EF4-FFF2-40B4-BE49-F238E27FC236}">
-                <a16:creationId xmlns:a16="http://schemas.microsoft.com/office/drawing/2014/main" id="{0FF85D2B-1BCC-F946-82B5-D206508D357E}"/>
-              </a:ext>
-            </a:extLst>
-          </p:cNvPr>
-          <p:cNvSpPr>
-            <a:spLocks noGrp="1"/>
-          </p:cNvSpPr>
-          <p:nvPr>
-            <p:ph type="title"/>
-          </p:nvPr>
-        </p:nvSpPr>
-        <p:spPr>
-          <a:xfrm>
-            <a:off x="800100" y="221850"/>
-            <a:ext cx="5770684" cy="525319"/>
-          </a:xfrm>
-        </p:spPr>
-        <p:txBody>
-          <a:bodyPr>
-            <a:normAutofit/>
-          </a:bodyPr>
-          <a:lstStyle/>
-          <a:p>
-            <a:r>
-              <a:rPr lang="en-US" sz="1400" dirty="0">
-                <a:latin typeface="Calibri" panose="020F0502020204030204" pitchFamily="34" charset="0"/>
-                <a:cs typeface="Calibri" panose="020F0502020204030204" pitchFamily="34" charset="0"/>
-              </a:rPr>
-              <a:t>Prerendering Dynamic Routes</a:t>
-            </a:r>
-          </a:p>
-        </p:txBody>
-      </p:sp>
-      <p:sp>
-        <p:nvSpPr>
-          <p:cNvPr id="4" name="Slide Number Placeholder 3">
-            <a:extLst>
-              <a:ext uri="{FF2B5EF4-FFF2-40B4-BE49-F238E27FC236}">
-                <a16:creationId xmlns:a16="http://schemas.microsoft.com/office/drawing/2014/main" id="{DB8AF244-0BF6-154F-9166-4EE14B21B811}"/>
-              </a:ext>
-            </a:extLst>
-          </p:cNvPr>
-          <p:cNvSpPr>
-            <a:spLocks noGrp="1"/>
-          </p:cNvSpPr>
-          <p:nvPr>
-            <p:ph type="sldNum" sz="quarter" idx="12"/>
-          </p:nvPr>
-        </p:nvSpPr>
-        <p:spPr/>
-        <p:txBody>
-          <a:bodyPr/>
-          <a:lstStyle/>
-          <a:p>
-            <a:fld id="{90F9BDA0-AF0E-4BA8-B742-3B9C92A3E6FE}" type="slidenum">
-              <a:rPr lang="en-US" smtClean="0"/>
-              <a:t>12</a:t>
-            </a:fld>
-            <a:endParaRPr lang="en-US" dirty="0"/>
-          </a:p>
-        </p:txBody>
-      </p:sp>
-      <p:sp>
-        <p:nvSpPr>
-          <p:cNvPr id="10" name="TextBox 9">
-            <a:extLst>
-              <a:ext uri="{FF2B5EF4-FFF2-40B4-BE49-F238E27FC236}">
-                <a16:creationId xmlns:a16="http://schemas.microsoft.com/office/drawing/2014/main" id="{2DA17021-9577-498A-A880-EA6113B310DC}"/>
-              </a:ext>
-            </a:extLst>
-          </p:cNvPr>
-          <p:cNvSpPr txBox="1"/>
-          <p:nvPr/>
-        </p:nvSpPr>
-        <p:spPr>
-          <a:xfrm>
-            <a:off x="5268345" y="1603121"/>
-            <a:ext cx="737702" cy="253916"/>
-          </a:xfrm>
-          <a:prstGeom prst="rect">
-            <a:avLst/>
-          </a:prstGeom>
-          <a:noFill/>
-        </p:spPr>
-        <p:txBody>
-          <a:bodyPr wrap="none" rtlCol="0">
-            <a:spAutoFit/>
-          </a:bodyPr>
-          <a:lstStyle/>
-          <a:p>
-            <a:pPr>
-              <a:spcAft>
-                <a:spcPts val="400"/>
-              </a:spcAft>
-              <a:buClr>
-                <a:schemeClr val="accent3"/>
-              </a:buClr>
-            </a:pPr>
-            <a:r>
-              <a:rPr lang="en-US" sz="1050" dirty="0">
-                <a:solidFill>
-                  <a:srgbClr val="4D4D4D"/>
-                </a:solidFill>
-              </a:rPr>
-              <a:t>routes.txt</a:t>
-            </a:r>
-          </a:p>
-        </p:txBody>
-      </p:sp>
-      <p:cxnSp>
-        <p:nvCxnSpPr>
-          <p:cNvPr id="11" name="Straight Connector 10">
-            <a:extLst>
-              <a:ext uri="{FF2B5EF4-FFF2-40B4-BE49-F238E27FC236}">
-                <a16:creationId xmlns:a16="http://schemas.microsoft.com/office/drawing/2014/main" id="{872E130D-35DA-489F-BC8D-8828461A6BE2}"/>
-              </a:ext>
-            </a:extLst>
-          </p:cNvPr>
-          <p:cNvCxnSpPr>
-            <a:cxnSpLocks/>
-          </p:cNvCxnSpPr>
-          <p:nvPr/>
-        </p:nvCxnSpPr>
-        <p:spPr>
-          <a:xfrm flipH="1">
-            <a:off x="4356100" y="908050"/>
-            <a:ext cx="63500" cy="3298919"/>
-          </a:xfrm>
-          <a:prstGeom prst="line">
-            <a:avLst/>
-          </a:prstGeom>
-          <a:ln>
-            <a:solidFill>
-              <a:srgbClr val="00A8F7"/>
-            </a:solidFill>
-          </a:ln>
-        </p:spPr>
-        <p:style>
-          <a:lnRef idx="1">
-            <a:schemeClr val="accent1"/>
-          </a:lnRef>
-          <a:fillRef idx="0">
-            <a:schemeClr val="accent1"/>
-          </a:fillRef>
-          <a:effectRef idx="0">
-            <a:schemeClr val="accent1"/>
-          </a:effectRef>
-          <a:fontRef idx="minor">
-            <a:schemeClr val="tx1"/>
-          </a:fontRef>
-        </p:style>
-      </p:cxnSp>
-      <p:pic>
-        <p:nvPicPr>
-          <p:cNvPr id="7" name="Picture 6">
-            <a:extLst>
-              <a:ext uri="{FF2B5EF4-FFF2-40B4-BE49-F238E27FC236}">
-                <a16:creationId xmlns:a16="http://schemas.microsoft.com/office/drawing/2014/main" id="{8EE5C1CB-9838-449E-B5A6-95F8D2BCAD7C}"/>
-              </a:ext>
-            </a:extLst>
-          </p:cNvPr>
-          <p:cNvPicPr>
-            <a:picLocks noChangeAspect="1"/>
-          </p:cNvPicPr>
-          <p:nvPr/>
-        </p:nvPicPr>
-        <p:blipFill>
-          <a:blip r:embed="rId2"/>
-          <a:stretch>
-            <a:fillRect/>
-          </a:stretch>
-        </p:blipFill>
-        <p:spPr>
-          <a:xfrm>
-            <a:off x="949325" y="1043082"/>
-            <a:ext cx="1627951" cy="3163887"/>
-          </a:xfrm>
-          <a:prstGeom prst="rect">
-            <a:avLst/>
-          </a:prstGeom>
-        </p:spPr>
-      </p:pic>
-      <p:sp>
-        <p:nvSpPr>
-          <p:cNvPr id="8" name="TextBox 7">
-            <a:extLst>
-              <a:ext uri="{FF2B5EF4-FFF2-40B4-BE49-F238E27FC236}">
-                <a16:creationId xmlns:a16="http://schemas.microsoft.com/office/drawing/2014/main" id="{E5FE8B2C-B4A7-4F2C-A0D0-A450A0AB0C44}"/>
-              </a:ext>
-            </a:extLst>
-          </p:cNvPr>
-          <p:cNvSpPr txBox="1"/>
-          <p:nvPr/>
-        </p:nvSpPr>
-        <p:spPr>
-          <a:xfrm>
-            <a:off x="7049325" y="1496682"/>
-            <a:ext cx="843501" cy="466794"/>
-          </a:xfrm>
-          <a:prstGeom prst="rect">
-            <a:avLst/>
-          </a:prstGeom>
-          <a:noFill/>
-        </p:spPr>
-        <p:txBody>
-          <a:bodyPr wrap="none" rtlCol="0">
-            <a:spAutoFit/>
-          </a:bodyPr>
-          <a:lstStyle/>
-          <a:p>
-            <a:pPr>
-              <a:spcAft>
-                <a:spcPts val="400"/>
-              </a:spcAft>
-              <a:buClr>
-                <a:schemeClr val="accent3"/>
-              </a:buClr>
-            </a:pPr>
-            <a:r>
-              <a:rPr lang="en-US" sz="1050" dirty="0">
-                <a:solidFill>
-                  <a:srgbClr val="4D4D4D"/>
-                </a:solidFill>
-                <a:latin typeface="Calibri" panose="020F0502020204030204" pitchFamily="34" charset="0"/>
-                <a:cs typeface="Calibri" panose="020F0502020204030204" pitchFamily="34" charset="0"/>
-              </a:rPr>
-              <a:t>/courses/01</a:t>
-            </a:r>
-          </a:p>
-          <a:p>
-            <a:pPr>
-              <a:spcAft>
-                <a:spcPts val="400"/>
-              </a:spcAft>
-              <a:buClr>
-                <a:schemeClr val="accent3"/>
-              </a:buClr>
-            </a:pPr>
-            <a:r>
-              <a:rPr lang="en-US" sz="1050" dirty="0">
-                <a:solidFill>
-                  <a:srgbClr val="4D4D4D"/>
-                </a:solidFill>
-                <a:latin typeface="Calibri" panose="020F0502020204030204" pitchFamily="34" charset="0"/>
-                <a:cs typeface="Calibri" panose="020F0502020204030204" pitchFamily="34" charset="0"/>
-              </a:rPr>
-              <a:t>/courses/02</a:t>
-            </a:r>
-          </a:p>
-        </p:txBody>
-      </p:sp>
-      <p:cxnSp>
-        <p:nvCxnSpPr>
-          <p:cNvPr id="15" name="Straight Arrow Connector 14">
-            <a:extLst>
-              <a:ext uri="{FF2B5EF4-FFF2-40B4-BE49-F238E27FC236}">
-                <a16:creationId xmlns:a16="http://schemas.microsoft.com/office/drawing/2014/main" id="{EB867DEF-6409-481E-BD40-230AFB55E68D}"/>
-              </a:ext>
-            </a:extLst>
-          </p:cNvPr>
-          <p:cNvCxnSpPr>
-            <a:stCxn id="10" idx="3"/>
-            <a:endCxn id="8" idx="1"/>
-          </p:cNvCxnSpPr>
-          <p:nvPr/>
-        </p:nvCxnSpPr>
-        <p:spPr>
-          <a:xfrm>
-            <a:off x="6006047" y="1730079"/>
-            <a:ext cx="1043278" cy="0"/>
-          </a:xfrm>
-          <a:prstGeom prst="straightConnector1">
-            <a:avLst/>
-          </a:prstGeom>
-          <a:ln>
-            <a:solidFill>
-              <a:srgbClr val="00A8F7"/>
-            </a:solidFill>
-            <a:tailEnd type="triangle"/>
-          </a:ln>
-        </p:spPr>
-        <p:style>
-          <a:lnRef idx="1">
-            <a:schemeClr val="accent1"/>
-          </a:lnRef>
-          <a:fillRef idx="0">
-            <a:schemeClr val="accent1"/>
-          </a:fillRef>
-          <a:effectRef idx="0">
-            <a:schemeClr val="accent1"/>
-          </a:effectRef>
-          <a:fontRef idx="minor">
-            <a:schemeClr val="tx1"/>
-          </a:fontRef>
-        </p:style>
-      </p:cxnSp>
-      <p:sp>
-        <p:nvSpPr>
-          <p:cNvPr id="16" name="Rectangle 15">
-            <a:extLst>
-              <a:ext uri="{FF2B5EF4-FFF2-40B4-BE49-F238E27FC236}">
-                <a16:creationId xmlns:a16="http://schemas.microsoft.com/office/drawing/2014/main" id="{BC3B8FB2-1C91-456A-80F7-100DF717764E}"/>
-              </a:ext>
-            </a:extLst>
-          </p:cNvPr>
-          <p:cNvSpPr/>
-          <p:nvPr/>
-        </p:nvSpPr>
-        <p:spPr>
-          <a:xfrm>
-            <a:off x="4763325" y="1014976"/>
-            <a:ext cx="4572000" cy="253916"/>
-          </a:xfrm>
-          <a:prstGeom prst="rect">
-            <a:avLst/>
-          </a:prstGeom>
-        </p:spPr>
-        <p:txBody>
-          <a:bodyPr>
-            <a:spAutoFit/>
-          </a:bodyPr>
-          <a:lstStyle/>
-          <a:p>
-            <a:r>
-              <a:rPr lang="en-US" sz="1050" dirty="0">
-                <a:solidFill>
-                  <a:srgbClr val="A31515"/>
-                </a:solidFill>
-                <a:latin typeface="Calibri" panose="020F0502020204030204" pitchFamily="34" charset="0"/>
-                <a:cs typeface="Calibri" panose="020F0502020204030204" pitchFamily="34" charset="0"/>
-              </a:rPr>
-              <a:t>ng run </a:t>
-            </a:r>
-            <a:r>
-              <a:rPr lang="en-US" sz="1050" dirty="0" err="1">
-                <a:solidFill>
-                  <a:srgbClr val="A31515"/>
-                </a:solidFill>
-                <a:latin typeface="Calibri" panose="020F0502020204030204" pitchFamily="34" charset="0"/>
-                <a:cs typeface="Calibri" panose="020F0502020204030204" pitchFamily="34" charset="0"/>
-              </a:rPr>
-              <a:t>angular-universal-course:prerender</a:t>
-            </a:r>
-            <a:r>
-              <a:rPr lang="en-US" sz="1050" dirty="0">
-                <a:solidFill>
-                  <a:srgbClr val="A31515"/>
-                </a:solidFill>
-                <a:latin typeface="Calibri" panose="020F0502020204030204" pitchFamily="34" charset="0"/>
-                <a:cs typeface="Calibri" panose="020F0502020204030204" pitchFamily="34" charset="0"/>
-              </a:rPr>
-              <a:t> --routes-file routes.txt</a:t>
-            </a:r>
-            <a:endParaRPr lang="en-US" sz="1050" b="0" dirty="0">
-              <a:solidFill>
-                <a:srgbClr val="000000"/>
-              </a:solidFill>
-              <a:effectLst/>
-              <a:latin typeface="Calibri" panose="020F0502020204030204" pitchFamily="34" charset="0"/>
-              <a:cs typeface="Calibri" panose="020F0502020204030204" pitchFamily="34" charset="0"/>
-            </a:endParaRPr>
-          </a:p>
-        </p:txBody>
-      </p:sp>
-    </p:spTree>
-    <p:extLst>
-      <p:ext uri="{BB962C8B-B14F-4D97-AF65-F5344CB8AC3E}">
-        <p14:creationId xmlns:p14="http://schemas.microsoft.com/office/powerpoint/2010/main" val="3403885463"/>
-      </p:ext>
-    </p:extLst>
-  </p:cSld>
-  <p:clrMapOvr>
-    <a:masterClrMapping/>
-  </p:clrMapOvr>
-  <mc:AlternateContent xmlns:mc="http://schemas.openxmlformats.org/markup-compatibility/2006" xmlns:p14="http://schemas.microsoft.com/office/powerpoint/2010/main">
-    <mc:Choice Requires="p14">
-      <p:transition p14:dur="300">
-        <p:fade/>
-      </p:transition>
-    </mc:Choice>
-    <mc:Fallback xmlns="">
-      <p:transition xmlns:p14="http://schemas.microsoft.com/office/powerpoint/2010/main">
-        <p:fade/>
-      </p:transition>
-    </mc:Fallback>
-  </mc:AlternateContent>
-</p:sld>
-</file>
-
-<file path=ppt/slides/slide13.xml><?xml version="1.0" encoding="utf-8"?>
-<p:sld xmlns:a="http://schemas.openxmlformats.org/drawingml/2006/main" xmlns:r="http://schemas.openxmlformats.org/officeDocument/2006/relationships" xmlns:p="http://schemas.openxmlformats.org/presentationml/2006/main">
-  <p:cSld>
-    <p:spTree>
-      <p:nvGrpSpPr>
-        <p:cNvPr id="1" name=""/>
-        <p:cNvGrpSpPr/>
-        <p:nvPr/>
-      </p:nvGrpSpPr>
-      <p:grpSpPr>
-        <a:xfrm>
-          <a:off x="0" y="0"/>
-          <a:ext cx="0" cy="0"/>
-          <a:chOff x="0" y="0"/>
-          <a:chExt cx="0" cy="0"/>
-        </a:xfrm>
-      </p:grpSpPr>
-      <p:sp>
-        <p:nvSpPr>
-          <p:cNvPr id="2" name="Title 1">
-            <a:extLst>
-              <a:ext uri="{FF2B5EF4-FFF2-40B4-BE49-F238E27FC236}">
-                <a16:creationId xmlns:a16="http://schemas.microsoft.com/office/drawing/2014/main" id="{0FF85D2B-1BCC-F946-82B5-D206508D357E}"/>
-              </a:ext>
-            </a:extLst>
-          </p:cNvPr>
-          <p:cNvSpPr>
-            <a:spLocks noGrp="1"/>
-          </p:cNvSpPr>
-          <p:nvPr>
-            <p:ph type="title"/>
-          </p:nvPr>
-        </p:nvSpPr>
-        <p:spPr>
-          <a:xfrm>
-            <a:off x="800100" y="221850"/>
-            <a:ext cx="5770684" cy="525319"/>
-          </a:xfrm>
-        </p:spPr>
-        <p:txBody>
-          <a:bodyPr>
-            <a:normAutofit/>
-          </a:bodyPr>
-          <a:lstStyle/>
-          <a:p>
-            <a:r>
-              <a:rPr lang="en-US" sz="1400" dirty="0">
-                <a:latin typeface="Calibri" panose="020F0502020204030204" pitchFamily="34" charset="0"/>
-                <a:cs typeface="Calibri" panose="020F0502020204030204" pitchFamily="34" charset="0"/>
-              </a:rPr>
-              <a:t>Prerendering in Angular Universal </a:t>
-            </a:r>
-          </a:p>
-        </p:txBody>
-      </p:sp>
-      <p:sp>
-        <p:nvSpPr>
-          <p:cNvPr id="4" name="Slide Number Placeholder 3">
-            <a:extLst>
-              <a:ext uri="{FF2B5EF4-FFF2-40B4-BE49-F238E27FC236}">
-                <a16:creationId xmlns:a16="http://schemas.microsoft.com/office/drawing/2014/main" id="{DB8AF244-0BF6-154F-9166-4EE14B21B811}"/>
-              </a:ext>
-            </a:extLst>
-          </p:cNvPr>
-          <p:cNvSpPr>
-            <a:spLocks noGrp="1"/>
-          </p:cNvSpPr>
-          <p:nvPr>
-            <p:ph type="sldNum" sz="quarter" idx="12"/>
-          </p:nvPr>
-        </p:nvSpPr>
-        <p:spPr/>
-        <p:txBody>
-          <a:bodyPr/>
-          <a:lstStyle/>
-          <a:p>
-            <a:fld id="{90F9BDA0-AF0E-4BA8-B742-3B9C92A3E6FE}" type="slidenum">
-              <a:rPr lang="en-US" smtClean="0"/>
-              <a:t>13</a:t>
-            </a:fld>
-            <a:endParaRPr lang="en-US" dirty="0"/>
-          </a:p>
-        </p:txBody>
-      </p:sp>
-      <p:pic>
-        <p:nvPicPr>
-          <p:cNvPr id="8" name="Picture 7">
-            <a:extLst>
-              <a:ext uri="{FF2B5EF4-FFF2-40B4-BE49-F238E27FC236}">
-                <a16:creationId xmlns:a16="http://schemas.microsoft.com/office/drawing/2014/main" id="{DFEF24CF-8324-4C89-9B2F-D589CDB378FD}"/>
-              </a:ext>
-            </a:extLst>
-          </p:cNvPr>
-          <p:cNvPicPr/>
-          <p:nvPr/>
-        </p:nvPicPr>
-        <p:blipFill>
-          <a:blip r:embed="rId2"/>
-          <a:stretch>
-            <a:fillRect/>
-          </a:stretch>
-        </p:blipFill>
-        <p:spPr>
-          <a:xfrm>
-            <a:off x="2845991" y="2628899"/>
-            <a:ext cx="3561159" cy="1981201"/>
-          </a:xfrm>
-          <a:prstGeom prst="rect">
-            <a:avLst/>
-          </a:prstGeom>
-        </p:spPr>
-      </p:pic>
-      <p:sp>
-        <p:nvSpPr>
-          <p:cNvPr id="9" name="TextBox 8">
-            <a:extLst>
-              <a:ext uri="{FF2B5EF4-FFF2-40B4-BE49-F238E27FC236}">
-                <a16:creationId xmlns:a16="http://schemas.microsoft.com/office/drawing/2014/main" id="{8C655007-744B-48F1-9C73-563898FA160E}"/>
-              </a:ext>
-            </a:extLst>
-          </p:cNvPr>
-          <p:cNvSpPr txBox="1"/>
-          <p:nvPr/>
-        </p:nvSpPr>
-        <p:spPr>
-          <a:xfrm>
-            <a:off x="760810" y="898198"/>
-            <a:ext cx="7639050" cy="1615827"/>
-          </a:xfrm>
-          <a:prstGeom prst="rect">
-            <a:avLst/>
-          </a:prstGeom>
-          <a:noFill/>
-        </p:spPr>
-        <p:txBody>
-          <a:bodyPr wrap="square" rtlCol="0">
-            <a:spAutoFit/>
-          </a:bodyPr>
-          <a:lstStyle/>
-          <a:p>
-            <a:pPr fontAlgn="base"/>
-            <a:r>
-              <a:rPr lang="en-US" sz="1100" dirty="0">
-                <a:solidFill>
-                  <a:srgbClr val="C00000"/>
-                </a:solidFill>
-                <a:latin typeface="Calibri" panose="020F0502020204030204" pitchFamily="34" charset="0"/>
-                <a:cs typeface="Calibri" panose="020F0502020204030204" pitchFamily="34" charset="0"/>
-              </a:rPr>
-              <a:t>HOW PRERENDERING IS DIFFERENT FROM SERVER-SIDE RENDERING ?</a:t>
-            </a:r>
-          </a:p>
-          <a:p>
-            <a:pPr fontAlgn="base"/>
-            <a:endParaRPr lang="en-US" sz="1100" dirty="0">
-              <a:solidFill>
-                <a:srgbClr val="C00000"/>
-              </a:solidFill>
-              <a:latin typeface="Calibri" panose="020F0502020204030204" pitchFamily="34" charset="0"/>
-              <a:cs typeface="Calibri" panose="020F0502020204030204" pitchFamily="34" charset="0"/>
-            </a:endParaRPr>
-          </a:p>
-          <a:p>
-            <a:pPr marL="171450" indent="-171450" fontAlgn="base">
-              <a:buFont typeface="Arial" panose="020B0604020202020204" pitchFamily="34" charset="0"/>
-              <a:buChar char="•"/>
-            </a:pPr>
-            <a:r>
-              <a:rPr lang="en-US" sz="1100" dirty="0">
-                <a:solidFill>
-                  <a:srgbClr val="4D4D4D"/>
-                </a:solidFill>
-                <a:latin typeface="Calibri" panose="020F0502020204030204" pitchFamily="34" charset="0"/>
-                <a:cs typeface="Calibri" panose="020F0502020204030204" pitchFamily="34" charset="0"/>
-              </a:rPr>
-              <a:t>In both rendering techniques, we generate static HTML pages which can be easily crawled by crawlers. </a:t>
-            </a:r>
-          </a:p>
-          <a:p>
-            <a:pPr marL="171450" indent="-171450" fontAlgn="base">
-              <a:buFont typeface="Arial" panose="020B0604020202020204" pitchFamily="34" charset="0"/>
-              <a:buChar char="•"/>
-            </a:pPr>
-            <a:r>
-              <a:rPr lang="en-US" sz="1100" dirty="0">
-                <a:solidFill>
-                  <a:srgbClr val="4D4D4D"/>
-                </a:solidFill>
-                <a:latin typeface="Calibri" panose="020F0502020204030204" pitchFamily="34" charset="0"/>
-                <a:cs typeface="Calibri" panose="020F0502020204030204" pitchFamily="34" charset="0"/>
-              </a:rPr>
-              <a:t>Just the major difference is the location where HTML pages are generated. In Server-Side Rendering Technique when the user navigates to the URL =&gt; for example - /books route, the server compiles the application(render on a server) and sends the generated HTML page back to the client.</a:t>
-            </a:r>
-          </a:p>
-          <a:p>
-            <a:pPr marL="171450" indent="-171450" fontAlgn="base">
-              <a:buFont typeface="Arial" panose="020B0604020202020204" pitchFamily="34" charset="0"/>
-              <a:buChar char="•"/>
-            </a:pPr>
-            <a:r>
-              <a:rPr lang="en-US" sz="1100" dirty="0">
-                <a:solidFill>
-                  <a:srgbClr val="4D4D4D"/>
-                </a:solidFill>
-                <a:latin typeface="Calibri" panose="020F0502020204030204" pitchFamily="34" charset="0"/>
-                <a:cs typeface="Calibri" panose="020F0502020204030204" pitchFamily="34" charset="0"/>
-              </a:rPr>
-              <a:t>While In Prerendering Technique, All routes of the application are compiled at build time and saved as static HTML pages on file-system. These HTML pages can be served to the client using CDN. So, whenever the user navigates to any route, he/she will get prerendered HTML pages. </a:t>
-            </a:r>
-            <a:endParaRPr lang="en-US" dirty="0">
-              <a:solidFill>
-                <a:srgbClr val="4D4D4D"/>
-              </a:solidFill>
-            </a:endParaRPr>
-          </a:p>
-        </p:txBody>
-      </p:sp>
-      <p:cxnSp>
-        <p:nvCxnSpPr>
-          <p:cNvPr id="5" name="Straight Connector 4">
-            <a:extLst>
-              <a:ext uri="{FF2B5EF4-FFF2-40B4-BE49-F238E27FC236}">
-                <a16:creationId xmlns:a16="http://schemas.microsoft.com/office/drawing/2014/main" id="{078C56D6-6492-4BE1-8C5F-45BCF7D75997}"/>
-              </a:ext>
-            </a:extLst>
-          </p:cNvPr>
-          <p:cNvCxnSpPr>
-            <a:cxnSpLocks/>
-          </p:cNvCxnSpPr>
-          <p:nvPr/>
-        </p:nvCxnSpPr>
-        <p:spPr>
-          <a:xfrm>
-            <a:off x="857250" y="1174750"/>
-            <a:ext cx="7327900" cy="0"/>
-          </a:xfrm>
-          <a:prstGeom prst="line">
-            <a:avLst/>
-          </a:prstGeom>
-          <a:ln>
-            <a:solidFill>
-              <a:srgbClr val="00A8F7"/>
-            </a:solidFill>
-          </a:ln>
-        </p:spPr>
-        <p:style>
-          <a:lnRef idx="1">
-            <a:schemeClr val="accent1"/>
-          </a:lnRef>
-          <a:fillRef idx="0">
-            <a:schemeClr val="accent1"/>
-          </a:fillRef>
-          <a:effectRef idx="0">
-            <a:schemeClr val="accent1"/>
-          </a:effectRef>
-          <a:fontRef idx="minor">
-            <a:schemeClr val="tx1"/>
-          </a:fontRef>
-        </p:style>
-      </p:cxnSp>
-    </p:spTree>
-    <p:extLst>
-      <p:ext uri="{BB962C8B-B14F-4D97-AF65-F5344CB8AC3E}">
-        <p14:creationId xmlns:p14="http://schemas.microsoft.com/office/powerpoint/2010/main" val="869470182"/>
-      </p:ext>
-    </p:extLst>
-  </p:cSld>
-  <p:clrMapOvr>
-    <a:masterClrMapping/>
-  </p:clrMapOvr>
-  <mc:AlternateContent xmlns:mc="http://schemas.openxmlformats.org/markup-compatibility/2006" xmlns:p14="http://schemas.microsoft.com/office/powerpoint/2010/main">
-    <mc:Choice Requires="p14">
-      <p:transition p14:dur="300">
-        <p:fade/>
-      </p:transition>
-    </mc:Choice>
-    <mc:Fallback xmlns="">
-      <p:transition xmlns:p14="http://schemas.microsoft.com/office/powerpoint/2010/main">
-        <p:fade/>
-      </p:transition>
-    </mc:Fallback>
-  </mc:AlternateContent>
-</p:sld>
-</file>
-
-<file path=ppt/slides/slide14.xml><?xml version="1.0" encoding="utf-8"?>
-<p:sld xmlns:a="http://schemas.openxmlformats.org/drawingml/2006/main" xmlns:r="http://schemas.openxmlformats.org/officeDocument/2006/relationships" xmlns:p="http://schemas.openxmlformats.org/presentationml/2006/main">
-  <p:cSld>
-    <p:spTree>
-      <p:nvGrpSpPr>
-        <p:cNvPr id="1" name=""/>
-        <p:cNvGrpSpPr/>
-        <p:nvPr/>
-      </p:nvGrpSpPr>
-      <p:grpSpPr>
-        <a:xfrm>
-          <a:off x="0" y="0"/>
-          <a:ext cx="0" cy="0"/>
-          <a:chOff x="0" y="0"/>
-          <a:chExt cx="0" cy="0"/>
-        </a:xfrm>
-      </p:grpSpPr>
-      <p:sp>
-        <p:nvSpPr>
-          <p:cNvPr id="2" name="Title 1">
-            <a:extLst>
-              <a:ext uri="{FF2B5EF4-FFF2-40B4-BE49-F238E27FC236}">
-                <a16:creationId xmlns:a16="http://schemas.microsoft.com/office/drawing/2014/main" id="{0FF85D2B-1BCC-F946-82B5-D206508D357E}"/>
-              </a:ext>
-            </a:extLst>
-          </p:cNvPr>
-          <p:cNvSpPr>
-            <a:spLocks noGrp="1"/>
-          </p:cNvSpPr>
-          <p:nvPr>
-            <p:ph type="title"/>
-          </p:nvPr>
-        </p:nvSpPr>
-        <p:spPr>
-          <a:xfrm>
-            <a:off x="800100" y="221850"/>
-            <a:ext cx="5770684" cy="525319"/>
-          </a:xfrm>
-        </p:spPr>
-        <p:txBody>
-          <a:bodyPr>
-            <a:normAutofit/>
-          </a:bodyPr>
-          <a:lstStyle/>
-          <a:p>
-            <a:r>
-              <a:rPr lang="en-US" sz="1400" dirty="0">
-                <a:latin typeface="Calibri" panose="020F0502020204030204" pitchFamily="34" charset="0"/>
-                <a:cs typeface="Calibri" panose="020F0502020204030204" pitchFamily="34" charset="0"/>
-              </a:rPr>
-              <a:t>Next Session</a:t>
-            </a:r>
-          </a:p>
-        </p:txBody>
-      </p:sp>
-      <p:sp>
-        <p:nvSpPr>
-          <p:cNvPr id="4" name="Slide Number Placeholder 3">
-            <a:extLst>
-              <a:ext uri="{FF2B5EF4-FFF2-40B4-BE49-F238E27FC236}">
-                <a16:creationId xmlns:a16="http://schemas.microsoft.com/office/drawing/2014/main" id="{DB8AF244-0BF6-154F-9166-4EE14B21B811}"/>
-              </a:ext>
-            </a:extLst>
-          </p:cNvPr>
-          <p:cNvSpPr>
-            <a:spLocks noGrp="1"/>
-          </p:cNvSpPr>
-          <p:nvPr>
-            <p:ph type="sldNum" sz="quarter" idx="12"/>
-          </p:nvPr>
-        </p:nvSpPr>
-        <p:spPr/>
-        <p:txBody>
-          <a:bodyPr/>
-          <a:lstStyle/>
-          <a:p>
-            <a:fld id="{90F9BDA0-AF0E-4BA8-B742-3B9C92A3E6FE}" type="slidenum">
-              <a:rPr lang="en-US" smtClean="0"/>
-              <a:t>14</a:t>
-            </a:fld>
-            <a:endParaRPr lang="en-US" dirty="0"/>
-          </a:p>
-        </p:txBody>
-      </p:sp>
-      <p:sp>
-        <p:nvSpPr>
-          <p:cNvPr id="3" name="TextBox 2">
-            <a:extLst>
-              <a:ext uri="{FF2B5EF4-FFF2-40B4-BE49-F238E27FC236}">
-                <a16:creationId xmlns:a16="http://schemas.microsoft.com/office/drawing/2014/main" id="{63DDF917-FFC3-493F-B86E-4F9CA284C9F4}"/>
-              </a:ext>
-            </a:extLst>
-          </p:cNvPr>
-          <p:cNvSpPr txBox="1"/>
-          <p:nvPr/>
-        </p:nvSpPr>
-        <p:spPr>
-          <a:xfrm>
-            <a:off x="2660650" y="2763838"/>
-            <a:ext cx="4371710" cy="697627"/>
-          </a:xfrm>
-          <a:prstGeom prst="rect">
-            <a:avLst/>
-          </a:prstGeom>
-          <a:noFill/>
-        </p:spPr>
-        <p:txBody>
-          <a:bodyPr wrap="none" rtlCol="0">
-            <a:spAutoFit/>
-          </a:bodyPr>
-          <a:lstStyle/>
-          <a:p>
-            <a:pPr marL="171450" indent="-171450">
-              <a:spcAft>
-                <a:spcPts val="400"/>
-              </a:spcAft>
-              <a:buClr>
-                <a:schemeClr val="accent3"/>
-              </a:buClr>
-              <a:buFont typeface="Arial" panose="020B0604020202020204" pitchFamily="34" charset="0"/>
-              <a:buChar char="•"/>
-            </a:pPr>
-            <a:r>
-              <a:rPr lang="en-US" dirty="0">
-                <a:solidFill>
-                  <a:srgbClr val="4D4D4D"/>
-                </a:solidFill>
-                <a:latin typeface="Viner Hand ITC" panose="03070502030502020203" pitchFamily="66" charset="0"/>
-                <a:cs typeface="Calibri" panose="020F0502020204030204" pitchFamily="34" charset="0"/>
-              </a:rPr>
-              <a:t>Angular Universal Application Shell</a:t>
-            </a:r>
-          </a:p>
-          <a:p>
-            <a:pPr marL="171450" indent="-171450">
-              <a:spcAft>
-                <a:spcPts val="400"/>
-              </a:spcAft>
-              <a:buClr>
-                <a:schemeClr val="accent3"/>
-              </a:buClr>
-              <a:buFont typeface="Arial" panose="020B0604020202020204" pitchFamily="34" charset="0"/>
-              <a:buChar char="•"/>
-            </a:pPr>
-            <a:r>
-              <a:rPr lang="en-US" dirty="0">
-                <a:solidFill>
-                  <a:srgbClr val="4D4D4D"/>
-                </a:solidFill>
-                <a:latin typeface="Viner Hand ITC" panose="03070502030502020203" pitchFamily="66" charset="0"/>
-                <a:cs typeface="Calibri" panose="020F0502020204030204" pitchFamily="34" charset="0"/>
-              </a:rPr>
-              <a:t>Angular Universal State API</a:t>
-            </a:r>
-          </a:p>
-        </p:txBody>
-      </p:sp>
-      <p:pic>
-        <p:nvPicPr>
-          <p:cNvPr id="1026" name="Picture 2" descr="WHAT&amp;#39;S NEXT – HOT UP AND COMING ARTISTS ON YOUR NEW NOW ALBUM | Now That&amp;#39;s  What I Call Music">
-            <a:extLst>
-              <a:ext uri="{FF2B5EF4-FFF2-40B4-BE49-F238E27FC236}">
-                <a16:creationId xmlns:a16="http://schemas.microsoft.com/office/drawing/2014/main" id="{29D46348-0756-42C6-8953-D0552928B67A}"/>
-              </a:ext>
-            </a:extLst>
-          </p:cNvPr>
-          <p:cNvPicPr>
-            <a:picLocks noChangeAspect="1" noChangeArrowheads="1"/>
-          </p:cNvPicPr>
-          <p:nvPr/>
-        </p:nvPicPr>
-        <p:blipFill>
-          <a:blip r:embed="rId2">
-            <a:extLst>
-              <a:ext uri="{28A0092B-C50C-407E-A947-70E740481C1C}">
-                <a14:useLocalDpi xmlns:a14="http://schemas.microsoft.com/office/drawing/2010/main" val="0"/>
-              </a:ext>
-            </a:extLst>
-          </a:blip>
-          <a:srcRect/>
-          <a:stretch>
-            <a:fillRect/>
-          </a:stretch>
-        </p:blipFill>
-        <p:spPr bwMode="auto">
-          <a:xfrm>
-            <a:off x="3016249" y="1155876"/>
-            <a:ext cx="3324225" cy="1415874"/>
-          </a:xfrm>
-          <a:prstGeom prst="rect">
-            <a:avLst/>
-          </a:prstGeom>
-          <a:noFill/>
-          <a:extLst>
-            <a:ext uri="{909E8E84-426E-40DD-AFC4-6F175D3DCCD1}">
-              <a14:hiddenFill xmlns:a14="http://schemas.microsoft.com/office/drawing/2010/main">
-                <a:solidFill>
-                  <a:srgbClr val="FFFFFF"/>
-                </a:solidFill>
-              </a14:hiddenFill>
-            </a:ext>
-          </a:extLst>
-        </p:spPr>
-      </p:pic>
-    </p:spTree>
-    <p:extLst>
-      <p:ext uri="{BB962C8B-B14F-4D97-AF65-F5344CB8AC3E}">
-        <p14:creationId xmlns:p14="http://schemas.microsoft.com/office/powerpoint/2010/main" val="1909387025"/>
-      </p:ext>
-    </p:extLst>
-  </p:cSld>
-  <p:clrMapOvr>
-    <a:masterClrMapping/>
-  </p:clrMapOvr>
-  <mc:AlternateContent xmlns:mc="http://schemas.openxmlformats.org/markup-compatibility/2006" xmlns:p14="http://schemas.microsoft.com/office/powerpoint/2010/main">
-    <mc:Choice Requires="p14">
-      <p:transition p14:dur="300">
-        <p:fade/>
-      </p:transition>
-    </mc:Choice>
-    <mc:Fallback xmlns="">
-      <p:transition xmlns:p14="http://schemas.microsoft.com/office/powerpoint/2010/main">
-        <p:fade/>
-      </p:transition>
-    </mc:Fallback>
-  </mc:AlternateContent>
-</p:sld>
-</file>
-
-<file path=ppt/slides/slide15.xml><?xml version="1.0" encoding="utf-8"?>
-<p:sld xmlns:a="http://schemas.openxmlformats.org/drawingml/2006/main" xmlns:r="http://schemas.openxmlformats.org/officeDocument/2006/relationships" xmlns:p="http://schemas.openxmlformats.org/presentationml/2006/main">
-  <p:cSld>
-    <p:spTree>
-      <p:nvGrpSpPr>
-        <p:cNvPr id="1" name=""/>
-        <p:cNvGrpSpPr/>
-        <p:nvPr/>
-      </p:nvGrpSpPr>
-      <p:grpSpPr>
-        <a:xfrm>
-          <a:off x="0" y="0"/>
-          <a:ext cx="0" cy="0"/>
-          <a:chOff x="0" y="0"/>
-          <a:chExt cx="0" cy="0"/>
-        </a:xfrm>
-      </p:grpSpPr>
-      <p:sp>
-        <p:nvSpPr>
-          <p:cNvPr id="5" name="Title 4">
-            <a:extLst>
-              <a:ext uri="{FF2B5EF4-FFF2-40B4-BE49-F238E27FC236}">
-                <a16:creationId xmlns:a16="http://schemas.microsoft.com/office/drawing/2014/main" id="{D5226FFB-6408-5E47-B65C-AAA7E4ECFA7D}"/>
-              </a:ext>
-            </a:extLst>
-          </p:cNvPr>
-          <p:cNvSpPr>
-            <a:spLocks noGrp="1"/>
-          </p:cNvSpPr>
-          <p:nvPr>
-            <p:ph type="ctrTitle"/>
-          </p:nvPr>
-        </p:nvSpPr>
-        <p:spPr/>
-        <p:txBody>
-          <a:bodyPr/>
-          <a:lstStyle/>
-          <a:p>
-            <a:r>
-              <a:rPr lang="en-US" dirty="0">
-                <a:latin typeface="Calibri" panose="020F0502020204030204" pitchFamily="34" charset="0"/>
-                <a:cs typeface="Calibri" panose="020F0502020204030204" pitchFamily="34" charset="0"/>
-              </a:rPr>
-              <a:t>Thank you !</a:t>
-            </a:r>
-          </a:p>
-        </p:txBody>
-      </p:sp>
-      <p:sp>
-        <p:nvSpPr>
-          <p:cNvPr id="6" name="Subtitle 5">
-            <a:extLst>
-              <a:ext uri="{FF2B5EF4-FFF2-40B4-BE49-F238E27FC236}">
-                <a16:creationId xmlns:a16="http://schemas.microsoft.com/office/drawing/2014/main" id="{FD21E098-A8A4-934A-AD6E-B4765B9D1F9D}"/>
-              </a:ext>
-            </a:extLst>
-          </p:cNvPr>
-          <p:cNvSpPr>
-            <a:spLocks noGrp="1"/>
-          </p:cNvSpPr>
-          <p:nvPr>
-            <p:ph type="subTitle" idx="1"/>
-          </p:nvPr>
-        </p:nvSpPr>
-        <p:spPr/>
-        <p:txBody>
-          <a:bodyPr/>
-          <a:lstStyle/>
-          <a:p>
-            <a:endParaRPr lang="en-US" dirty="0"/>
-          </a:p>
-        </p:txBody>
-      </p:sp>
-    </p:spTree>
-    <p:extLst>
-      <p:ext uri="{BB962C8B-B14F-4D97-AF65-F5344CB8AC3E}">
-        <p14:creationId xmlns:p14="http://schemas.microsoft.com/office/powerpoint/2010/main" val="846068057"/>
-      </p:ext>
-    </p:extLst>
-  </p:cSld>
-  <p:clrMapOvr>
-    <a:masterClrMapping/>
-  </p:clrMapOvr>
-  <mc:AlternateContent xmlns:mc="http://schemas.openxmlformats.org/markup-compatibility/2006" xmlns:p14="http://schemas.microsoft.com/office/powerpoint/2010/main">
-    <mc:Choice Requires="p14">
-      <p:transition p14:dur="300">
-        <p:fade/>
-      </p:transition>
-    </mc:Choice>
-    <mc:Fallback xmlns="">
-      <p:transition xmlns:p14="http://schemas.microsoft.com/office/powerpoint/2010/main">
-        <p:fade/>
-      </p:transition>
-    </mc:Fallback>
-  </mc:AlternateContent>
-</p:sld>
-</file>
-
 <file path=ppt/slides/slide2.xml><?xml version="1.0" encoding="utf-8"?>
 <p:sld xmlns:a="http://schemas.openxmlformats.org/drawingml/2006/main" xmlns:r="http://schemas.openxmlformats.org/officeDocument/2006/relationships" xmlns:p="http://schemas.openxmlformats.org/presentationml/2006/main">
   <p:cSld>
@@ -13574,7 +12030,7 @@
         </p:blipFill>
         <p:spPr bwMode="auto">
           <a:xfrm>
-            <a:off x="4654550" y="2571750"/>
+            <a:off x="4924425" y="3009900"/>
             <a:ext cx="2235200" cy="718852"/>
           </a:xfrm>
           <a:prstGeom prst="rect">
@@ -15143,10 +13599,10 @@
       </p:grpSpPr>
       <p:sp>
         <p:nvSpPr>
-          <p:cNvPr id="2" name="Title 1">
+          <p:cNvPr id="5" name="Title 4">
             <a:extLst>
               <a:ext uri="{FF2B5EF4-FFF2-40B4-BE49-F238E27FC236}">
-                <a16:creationId xmlns:a16="http://schemas.microsoft.com/office/drawing/2014/main" id="{0FF85D2B-1BCC-F946-82B5-D206508D357E}"/>
+                <a16:creationId xmlns:a16="http://schemas.microsoft.com/office/drawing/2014/main" id="{D5226FFB-6408-5E47-B65C-AAA7E4ECFA7D}"/>
               </a:ext>
             </a:extLst>
           </p:cNvPr>
@@ -15154,37 +13610,30 @@
             <a:spLocks noGrp="1"/>
           </p:cNvSpPr>
           <p:nvPr>
-            <p:ph type="title"/>
+            <p:ph type="ctrTitle"/>
           </p:nvPr>
         </p:nvSpPr>
-        <p:spPr>
-          <a:xfrm>
-            <a:off x="800100" y="221850"/>
-            <a:ext cx="5770684" cy="525319"/>
-          </a:xfrm>
-        </p:spPr>
+        <p:spPr/>
         <p:txBody>
-          <a:bodyPr>
-            <a:normAutofit/>
-          </a:bodyPr>
+          <a:bodyPr/>
           <a:lstStyle/>
           <a:p>
             <a:r>
-              <a:rPr lang="en-US" sz="1400" dirty="0">
+              <a:rPr lang="en-US" dirty="0">
                 <a:latin typeface="Calibri" panose="020F0502020204030204" pitchFamily="34" charset="0"/>
                 <a:cs typeface="Calibri" panose="020F0502020204030204" pitchFamily="34" charset="0"/>
               </a:rPr>
-              <a:t>Angular Universal – Behind the Scene</a:t>
+              <a:t>Thank you !</a:t>
             </a:r>
           </a:p>
         </p:txBody>
       </p:sp>
       <p:sp>
         <p:nvSpPr>
-          <p:cNvPr id="4" name="Slide Number Placeholder 3">
+          <p:cNvPr id="6" name="Subtitle 5">
             <a:extLst>
               <a:ext uri="{FF2B5EF4-FFF2-40B4-BE49-F238E27FC236}">
-                <a16:creationId xmlns:a16="http://schemas.microsoft.com/office/drawing/2014/main" id="{DB8AF244-0BF6-154F-9166-4EE14B21B811}"/>
+                <a16:creationId xmlns:a16="http://schemas.microsoft.com/office/drawing/2014/main" id="{FD21E098-A8A4-934A-AD6E-B4765B9D1F9D}"/>
               </a:ext>
             </a:extLst>
           </p:cNvPr>
@@ -15192,7 +13641,7 @@
             <a:spLocks noGrp="1"/>
           </p:cNvSpPr>
           <p:nvPr>
-            <p:ph type="sldNum" sz="quarter" idx="12"/>
+            <p:ph type="subTitle" idx="1"/>
           </p:nvPr>
         </p:nvSpPr>
         <p:spPr/>
@@ -15200,634 +13649,14 @@
           <a:bodyPr/>
           <a:lstStyle/>
           <a:p>
-            <a:fld id="{90F9BDA0-AF0E-4BA8-B742-3B9C92A3E6FE}" type="slidenum">
-              <a:rPr lang="en-US" smtClean="0"/>
-              <a:t>8</a:t>
-            </a:fld>
             <a:endParaRPr lang="en-US" dirty="0"/>
-          </a:p>
-        </p:txBody>
-      </p:sp>
-      <p:sp>
-        <p:nvSpPr>
-          <p:cNvPr id="6" name="Rectangle 5">
-            <a:extLst>
-              <a:ext uri="{FF2B5EF4-FFF2-40B4-BE49-F238E27FC236}">
-                <a16:creationId xmlns:a16="http://schemas.microsoft.com/office/drawing/2014/main" id="{F4A0177D-112A-4EA3-ABDA-DEFEC67F15C3}"/>
-              </a:ext>
-            </a:extLst>
-          </p:cNvPr>
-          <p:cNvSpPr/>
-          <p:nvPr/>
-        </p:nvSpPr>
-        <p:spPr>
-          <a:xfrm>
-            <a:off x="902493" y="856825"/>
-            <a:ext cx="7988300" cy="769441"/>
-          </a:xfrm>
-          <a:prstGeom prst="rect">
-            <a:avLst/>
-          </a:prstGeom>
-        </p:spPr>
-        <p:txBody>
-          <a:bodyPr wrap="square">
-            <a:spAutoFit/>
-          </a:bodyPr>
-          <a:lstStyle/>
-          <a:p>
-            <a:pPr marL="342900" marR="0" lvl="0" indent="-342900">
-              <a:spcBef>
-                <a:spcPts val="0"/>
-              </a:spcBef>
-              <a:spcAft>
-                <a:spcPts val="0"/>
-              </a:spcAft>
-              <a:buFont typeface="Symbol" panose="05050102010706020507" pitchFamily="18" charset="2"/>
-              <a:buChar char=""/>
-            </a:pPr>
-            <a:r>
-              <a:rPr lang="en-US" sz="1100" dirty="0">
-                <a:solidFill>
-                  <a:srgbClr val="4D4D4D"/>
-                </a:solidFill>
-                <a:latin typeface="Calibri" panose="020F0502020204030204" pitchFamily="34" charset="0"/>
-                <a:cs typeface="Calibri" panose="020F0502020204030204" pitchFamily="34" charset="0"/>
-              </a:rPr>
-              <a:t>On executing the script . It starts Node Express server</a:t>
-            </a:r>
-          </a:p>
-          <a:p>
-            <a:pPr marL="342900" marR="0" lvl="0" indent="-342900">
-              <a:spcBef>
-                <a:spcPts val="0"/>
-              </a:spcBef>
-              <a:spcAft>
-                <a:spcPts val="0"/>
-              </a:spcAft>
-              <a:buFont typeface="Symbol" panose="05050102010706020507" pitchFamily="18" charset="2"/>
-              <a:buChar char=""/>
-            </a:pPr>
-            <a:r>
-              <a:rPr lang="en-US" sz="1100" dirty="0">
-                <a:solidFill>
-                  <a:srgbClr val="4D4D4D"/>
-                </a:solidFill>
-                <a:latin typeface="Calibri" panose="020F0502020204030204" pitchFamily="34" charset="0"/>
-                <a:cs typeface="Calibri" panose="020F0502020204030204" pitchFamily="34" charset="0"/>
-              </a:rPr>
-              <a:t>The express server takes the request </a:t>
-            </a:r>
-            <a:r>
-              <a:rPr lang="en-US" sz="1100" dirty="0">
-                <a:solidFill>
-                  <a:srgbClr val="4D4D4D"/>
-                </a:solidFill>
-                <a:latin typeface="Calibri" panose="020F0502020204030204" pitchFamily="34" charset="0"/>
-                <a:cs typeface="Calibri" panose="020F0502020204030204" pitchFamily="34" charset="0"/>
-                <a:sym typeface="Wingdings" panose="05000000000000000000" pitchFamily="2" charset="2"/>
-              </a:rPr>
-              <a:t>and g</a:t>
-            </a:r>
-            <a:r>
-              <a:rPr lang="en-US" sz="1100" dirty="0">
-                <a:solidFill>
-                  <a:srgbClr val="4D4D4D"/>
-                </a:solidFill>
-                <a:latin typeface="Calibri" panose="020F0502020204030204" pitchFamily="34" charset="0"/>
-                <a:cs typeface="Calibri" panose="020F0502020204030204" pitchFamily="34" charset="0"/>
-              </a:rPr>
-              <a:t>enerates the HTML dynamically on server and send the processed HTML</a:t>
-            </a:r>
-          </a:p>
-          <a:p>
-            <a:pPr marL="342900" marR="0" lvl="0" indent="-342900">
-              <a:spcBef>
-                <a:spcPts val="0"/>
-              </a:spcBef>
-              <a:spcAft>
-                <a:spcPts val="0"/>
-              </a:spcAft>
-              <a:buFont typeface="Symbol" panose="05050102010706020507" pitchFamily="18" charset="2"/>
-              <a:buChar char=""/>
-            </a:pPr>
-            <a:r>
-              <a:rPr lang="en-US" sz="1100" dirty="0">
-                <a:solidFill>
-                  <a:srgbClr val="4D4D4D"/>
-                </a:solidFill>
-                <a:latin typeface="Calibri" panose="020F0502020204030204" pitchFamily="34" charset="0"/>
-                <a:cs typeface="Calibri" panose="020F0502020204030204" pitchFamily="34" charset="0"/>
-              </a:rPr>
-              <a:t>Once the HTML is rendered on the browser . The Angular client-side application takes over and post that the application behaves like a SPA.</a:t>
-            </a:r>
-          </a:p>
-        </p:txBody>
-      </p:sp>
-      <p:pic>
-        <p:nvPicPr>
-          <p:cNvPr id="13" name="Content Placeholder 12">
-            <a:extLst>
-              <a:ext uri="{FF2B5EF4-FFF2-40B4-BE49-F238E27FC236}">
-                <a16:creationId xmlns:a16="http://schemas.microsoft.com/office/drawing/2014/main" id="{5C5B26CA-02E5-41E2-8849-2E4D77E9C0B5}"/>
-              </a:ext>
-            </a:extLst>
-          </p:cNvPr>
-          <p:cNvPicPr>
-            <a:picLocks noGrp="1"/>
-          </p:cNvPicPr>
-          <p:nvPr>
-            <p:ph idx="1"/>
-          </p:nvPr>
-        </p:nvPicPr>
-        <p:blipFill>
-          <a:blip r:embed="rId2"/>
-          <a:stretch>
-            <a:fillRect/>
-          </a:stretch>
-        </p:blipFill>
-        <p:spPr>
-          <a:xfrm>
-            <a:off x="2374900" y="1735922"/>
-            <a:ext cx="4368800" cy="2315378"/>
-          </a:xfrm>
-          <a:prstGeom prst="rect">
-            <a:avLst/>
-          </a:prstGeom>
-        </p:spPr>
-      </p:pic>
-    </p:spTree>
-    <p:extLst>
-      <p:ext uri="{BB962C8B-B14F-4D97-AF65-F5344CB8AC3E}">
-        <p14:creationId xmlns:p14="http://schemas.microsoft.com/office/powerpoint/2010/main" val="4251375598"/>
-      </p:ext>
-    </p:extLst>
-  </p:cSld>
-  <p:clrMapOvr>
-    <a:masterClrMapping/>
-  </p:clrMapOvr>
-  <mc:AlternateContent xmlns:mc="http://schemas.openxmlformats.org/markup-compatibility/2006" xmlns:p14="http://schemas.microsoft.com/office/powerpoint/2010/main">
-    <mc:Choice Requires="p14">
-      <p:transition p14:dur="300">
-        <p:fade/>
-      </p:transition>
-    </mc:Choice>
-    <mc:Fallback xmlns="">
-      <p:transition xmlns:p14="http://schemas.microsoft.com/office/powerpoint/2010/main">
-        <p:fade/>
-      </p:transition>
-    </mc:Fallback>
-  </mc:AlternateContent>
-</p:sld>
-</file>
-
-<file path=ppt/slides/slide9.xml><?xml version="1.0" encoding="utf-8"?>
-<p:sld xmlns:a="http://schemas.openxmlformats.org/drawingml/2006/main" xmlns:r="http://schemas.openxmlformats.org/officeDocument/2006/relationships" xmlns:p="http://schemas.openxmlformats.org/presentationml/2006/main">
-  <p:cSld>
-    <p:spTree>
-      <p:nvGrpSpPr>
-        <p:cNvPr id="1" name=""/>
-        <p:cNvGrpSpPr/>
-        <p:nvPr/>
-      </p:nvGrpSpPr>
-      <p:grpSpPr>
-        <a:xfrm>
-          <a:off x="0" y="0"/>
-          <a:ext cx="0" cy="0"/>
-          <a:chOff x="0" y="0"/>
-          <a:chExt cx="0" cy="0"/>
-        </a:xfrm>
-      </p:grpSpPr>
-      <p:sp>
-        <p:nvSpPr>
-          <p:cNvPr id="2" name="Title 1">
-            <a:extLst>
-              <a:ext uri="{FF2B5EF4-FFF2-40B4-BE49-F238E27FC236}">
-                <a16:creationId xmlns:a16="http://schemas.microsoft.com/office/drawing/2014/main" id="{0FF85D2B-1BCC-F946-82B5-D206508D357E}"/>
-              </a:ext>
-            </a:extLst>
-          </p:cNvPr>
-          <p:cNvSpPr>
-            <a:spLocks noGrp="1"/>
-          </p:cNvSpPr>
-          <p:nvPr>
-            <p:ph type="title"/>
-          </p:nvPr>
-        </p:nvSpPr>
-        <p:spPr>
-          <a:xfrm>
-            <a:off x="800100" y="221850"/>
-            <a:ext cx="5770684" cy="525319"/>
-          </a:xfrm>
-        </p:spPr>
-        <p:txBody>
-          <a:bodyPr>
-            <a:normAutofit/>
-          </a:bodyPr>
-          <a:lstStyle/>
-          <a:p>
-            <a:r>
-              <a:rPr lang="en-US" sz="1400" dirty="0">
-                <a:latin typeface="Calibri" panose="020F0502020204030204" pitchFamily="34" charset="0"/>
-                <a:cs typeface="Calibri" panose="020F0502020204030204" pitchFamily="34" charset="0"/>
-              </a:rPr>
-              <a:t>Angular Universal – Client and Server-Side Application Interact?</a:t>
-            </a:r>
-          </a:p>
-        </p:txBody>
-      </p:sp>
-      <p:sp>
-        <p:nvSpPr>
-          <p:cNvPr id="4" name="Slide Number Placeholder 3">
-            <a:extLst>
-              <a:ext uri="{FF2B5EF4-FFF2-40B4-BE49-F238E27FC236}">
-                <a16:creationId xmlns:a16="http://schemas.microsoft.com/office/drawing/2014/main" id="{DB8AF244-0BF6-154F-9166-4EE14B21B811}"/>
-              </a:ext>
-            </a:extLst>
-          </p:cNvPr>
-          <p:cNvSpPr>
-            <a:spLocks noGrp="1"/>
-          </p:cNvSpPr>
-          <p:nvPr>
-            <p:ph type="sldNum" sz="quarter" idx="12"/>
-          </p:nvPr>
-        </p:nvSpPr>
-        <p:spPr/>
-        <p:txBody>
-          <a:bodyPr/>
-          <a:lstStyle/>
-          <a:p>
-            <a:fld id="{90F9BDA0-AF0E-4BA8-B742-3B9C92A3E6FE}" type="slidenum">
-              <a:rPr lang="en-US" smtClean="0"/>
-              <a:t>9</a:t>
-            </a:fld>
-            <a:endParaRPr lang="en-US" dirty="0"/>
-          </a:p>
-        </p:txBody>
-      </p:sp>
-      <p:pic>
-        <p:nvPicPr>
-          <p:cNvPr id="14" name="Picture 13">
-            <a:extLst>
-              <a:ext uri="{FF2B5EF4-FFF2-40B4-BE49-F238E27FC236}">
-                <a16:creationId xmlns:a16="http://schemas.microsoft.com/office/drawing/2014/main" id="{AB25D214-FCFF-4279-9823-8ABB8F1246F2}"/>
-              </a:ext>
-            </a:extLst>
-          </p:cNvPr>
-          <p:cNvPicPr/>
-          <p:nvPr/>
-        </p:nvPicPr>
-        <p:blipFill>
-          <a:blip r:embed="rId2"/>
-          <a:stretch>
-            <a:fillRect/>
-          </a:stretch>
-        </p:blipFill>
-        <p:spPr>
-          <a:xfrm>
-            <a:off x="4619625" y="1071086"/>
-            <a:ext cx="4206875" cy="3229927"/>
-          </a:xfrm>
-          <a:prstGeom prst="rect">
-            <a:avLst/>
-          </a:prstGeom>
-          <a:ln>
-            <a:solidFill>
-              <a:schemeClr val="accent1"/>
-            </a:solidFill>
-          </a:ln>
-        </p:spPr>
-      </p:pic>
-      <p:sp>
-        <p:nvSpPr>
-          <p:cNvPr id="15" name="TextBox 14">
-            <a:extLst>
-              <a:ext uri="{FF2B5EF4-FFF2-40B4-BE49-F238E27FC236}">
-                <a16:creationId xmlns:a16="http://schemas.microsoft.com/office/drawing/2014/main" id="{9FEB70E4-B73E-4882-B8CF-CD35B03B4411}"/>
-              </a:ext>
-            </a:extLst>
-          </p:cNvPr>
-          <p:cNvSpPr txBox="1"/>
-          <p:nvPr/>
-        </p:nvSpPr>
-        <p:spPr>
-          <a:xfrm>
-            <a:off x="679450" y="971312"/>
-            <a:ext cx="3460750" cy="1908215"/>
-          </a:xfrm>
-          <a:prstGeom prst="rect">
-            <a:avLst/>
-          </a:prstGeom>
-          <a:noFill/>
-        </p:spPr>
-        <p:txBody>
-          <a:bodyPr wrap="square" rtlCol="0">
-            <a:spAutoFit/>
-          </a:bodyPr>
-          <a:lstStyle/>
-          <a:p>
-            <a:pPr marL="171450" lvl="0" indent="-171450">
-              <a:buFont typeface="Arial" panose="020B0604020202020204" pitchFamily="34" charset="0"/>
-              <a:buChar char="•"/>
-            </a:pPr>
-            <a:r>
-              <a:rPr lang="en-US" sz="1000" dirty="0">
-                <a:solidFill>
-                  <a:srgbClr val="4D4D4D"/>
-                </a:solidFill>
-                <a:latin typeface="Calibri" panose="020F0502020204030204" pitchFamily="34" charset="0"/>
-                <a:cs typeface="Calibri" panose="020F0502020204030204" pitchFamily="34" charset="0"/>
-              </a:rPr>
-              <a:t>The server-side module imports all the App module components – so the server rendering engine knows what HTML it must generates.</a:t>
-            </a:r>
-          </a:p>
-          <a:p>
-            <a:pPr marL="171450" lvl="0" indent="-171450">
-              <a:buFont typeface="Arial" panose="020B0604020202020204" pitchFamily="34" charset="0"/>
-              <a:buChar char="•"/>
-            </a:pPr>
-            <a:endParaRPr lang="en-US" sz="1000" dirty="0">
-              <a:solidFill>
-                <a:srgbClr val="4D4D4D"/>
-              </a:solidFill>
-              <a:latin typeface="Calibri" panose="020F0502020204030204" pitchFamily="34" charset="0"/>
-              <a:cs typeface="Calibri" panose="020F0502020204030204" pitchFamily="34" charset="0"/>
-            </a:endParaRPr>
-          </a:p>
-          <a:p>
-            <a:pPr marL="171450" lvl="0" indent="-171450">
-              <a:buFont typeface="Arial" panose="020B0604020202020204" pitchFamily="34" charset="0"/>
-              <a:buChar char="•"/>
-            </a:pPr>
-            <a:r>
-              <a:rPr lang="en-US" sz="1000" dirty="0">
-                <a:solidFill>
-                  <a:srgbClr val="4D4D4D"/>
-                </a:solidFill>
-                <a:latin typeface="Calibri" panose="020F0502020204030204" pitchFamily="34" charset="0"/>
-                <a:cs typeface="Calibri" panose="020F0502020204030204" pitchFamily="34" charset="0"/>
-              </a:rPr>
-              <a:t>Due to the in-lined CSS the end user never feels that the interface of app is broken.</a:t>
-            </a:r>
-          </a:p>
-          <a:p>
-            <a:pPr marL="171450" lvl="0" indent="-171450">
-              <a:buFont typeface="Arial" panose="020B0604020202020204" pitchFamily="34" charset="0"/>
-              <a:buChar char="•"/>
-            </a:pPr>
-            <a:endParaRPr lang="en-US" sz="1000" dirty="0">
-              <a:solidFill>
-                <a:srgbClr val="4D4D4D"/>
-              </a:solidFill>
-              <a:latin typeface="Calibri" panose="020F0502020204030204" pitchFamily="34" charset="0"/>
-              <a:cs typeface="Calibri" panose="020F0502020204030204" pitchFamily="34" charset="0"/>
-            </a:endParaRPr>
-          </a:p>
-          <a:p>
-            <a:pPr marL="171450" lvl="0" indent="-171450">
-              <a:buFont typeface="Arial" panose="020B0604020202020204" pitchFamily="34" charset="0"/>
-              <a:buChar char="•"/>
-            </a:pPr>
-            <a:r>
-              <a:rPr lang="en-US" sz="1000" dirty="0">
-                <a:solidFill>
-                  <a:srgbClr val="4D4D4D"/>
-                </a:solidFill>
-                <a:latin typeface="Calibri" panose="020F0502020204030204" pitchFamily="34" charset="0"/>
-                <a:cs typeface="Calibri" panose="020F0502020204030204" pitchFamily="34" charset="0"/>
-              </a:rPr>
-              <a:t>The “</a:t>
-            </a:r>
-            <a:r>
-              <a:rPr lang="en-US" sz="1000" dirty="0" err="1">
-                <a:solidFill>
-                  <a:srgbClr val="4D4D4D"/>
-                </a:solidFill>
-                <a:latin typeface="Calibri" panose="020F0502020204030204" pitchFamily="34" charset="0"/>
-                <a:cs typeface="Calibri" panose="020F0502020204030204" pitchFamily="34" charset="0"/>
-              </a:rPr>
-              <a:t>appId</a:t>
-            </a:r>
-            <a:r>
-              <a:rPr lang="en-US" sz="1000" dirty="0">
-                <a:solidFill>
-                  <a:srgbClr val="4D4D4D"/>
-                </a:solidFill>
-                <a:latin typeface="Calibri" panose="020F0502020204030204" pitchFamily="34" charset="0"/>
-                <a:cs typeface="Calibri" panose="020F0502020204030204" pitchFamily="34" charset="0"/>
-              </a:rPr>
-              <a:t>” identifier helps angular to remove the in-lined style from finally rendered page.</a:t>
-            </a:r>
-          </a:p>
-          <a:p>
-            <a:pPr marL="171450" lvl="0" indent="-171450">
-              <a:buFont typeface="Arial" panose="020B0604020202020204" pitchFamily="34" charset="0"/>
-              <a:buChar char="•"/>
-            </a:pPr>
-            <a:endParaRPr lang="en-US" sz="1000" dirty="0">
-              <a:solidFill>
-                <a:srgbClr val="4D4D4D"/>
-              </a:solidFill>
-              <a:latin typeface="Calibri" panose="020F0502020204030204" pitchFamily="34" charset="0"/>
-              <a:cs typeface="Calibri" panose="020F0502020204030204" pitchFamily="34" charset="0"/>
-            </a:endParaRPr>
-          </a:p>
-          <a:p>
-            <a:pPr marL="171450" indent="-171450">
-              <a:spcAft>
-                <a:spcPts val="400"/>
-              </a:spcAft>
-              <a:buClr>
-                <a:schemeClr val="accent3"/>
-              </a:buClr>
-              <a:buFont typeface="Arial" panose="020B0604020202020204" pitchFamily="34" charset="0"/>
-              <a:buChar char="•"/>
-            </a:pPr>
-            <a:endParaRPr lang="en-US" dirty="0">
-              <a:solidFill>
-                <a:srgbClr val="4D4D4D"/>
-              </a:solidFill>
-            </a:endParaRPr>
-          </a:p>
-        </p:txBody>
-      </p:sp>
-      <p:pic>
-        <p:nvPicPr>
-          <p:cNvPr id="16" name="Picture 15">
-            <a:extLst>
-              <a:ext uri="{FF2B5EF4-FFF2-40B4-BE49-F238E27FC236}">
-                <a16:creationId xmlns:a16="http://schemas.microsoft.com/office/drawing/2014/main" id="{51094C02-06E6-4FF9-A3A0-49056A2240F5}"/>
-              </a:ext>
-            </a:extLst>
-          </p:cNvPr>
-          <p:cNvPicPr>
-            <a:picLocks noChangeAspect="1"/>
-          </p:cNvPicPr>
-          <p:nvPr/>
-        </p:nvPicPr>
-        <p:blipFill>
-          <a:blip r:embed="rId3"/>
-          <a:stretch>
-            <a:fillRect/>
-          </a:stretch>
-        </p:blipFill>
-        <p:spPr>
-          <a:xfrm>
-            <a:off x="704877" y="2825750"/>
-            <a:ext cx="3409896" cy="1185862"/>
-          </a:xfrm>
-          <a:prstGeom prst="rect">
-            <a:avLst/>
-          </a:prstGeom>
-          <a:solidFill>
-            <a:schemeClr val="bg1"/>
-          </a:solidFill>
-          <a:ln>
-            <a:solidFill>
-              <a:schemeClr val="accent1"/>
-            </a:solidFill>
-          </a:ln>
-        </p:spPr>
-      </p:pic>
-      <p:sp>
-        <p:nvSpPr>
-          <p:cNvPr id="17" name="TextBox 16">
-            <a:extLst>
-              <a:ext uri="{FF2B5EF4-FFF2-40B4-BE49-F238E27FC236}">
-                <a16:creationId xmlns:a16="http://schemas.microsoft.com/office/drawing/2014/main" id="{03F010DC-161E-46F9-97CE-284219BCBE66}"/>
-              </a:ext>
-            </a:extLst>
-          </p:cNvPr>
-          <p:cNvSpPr txBox="1"/>
-          <p:nvPr/>
-        </p:nvSpPr>
-        <p:spPr>
-          <a:xfrm>
-            <a:off x="690038" y="4072414"/>
-            <a:ext cx="3483646" cy="466794"/>
-          </a:xfrm>
-          <a:prstGeom prst="rect">
-            <a:avLst/>
-          </a:prstGeom>
-          <a:noFill/>
-        </p:spPr>
-        <p:txBody>
-          <a:bodyPr wrap="none" rtlCol="0">
-            <a:spAutoFit/>
-          </a:bodyPr>
-          <a:lstStyle/>
-          <a:p>
-            <a:pPr>
-              <a:spcAft>
-                <a:spcPts val="400"/>
-              </a:spcAft>
-              <a:buClr>
-                <a:schemeClr val="accent3"/>
-              </a:buClr>
-            </a:pPr>
-            <a:r>
-              <a:rPr lang="en-US" sz="1050" dirty="0" err="1">
-                <a:solidFill>
-                  <a:srgbClr val="C00000"/>
-                </a:solidFill>
-                <a:latin typeface="Calibri" panose="020F0502020204030204" pitchFamily="34" charset="0"/>
-                <a:cs typeface="Calibri" panose="020F0502020204030204" pitchFamily="34" charset="0"/>
-              </a:rPr>
-              <a:t>BrowserModule.withServerTransition</a:t>
-            </a:r>
-            <a:r>
-              <a:rPr lang="en-US" sz="1050" dirty="0">
-                <a:solidFill>
-                  <a:srgbClr val="C00000"/>
-                </a:solidFill>
-                <a:latin typeface="Calibri" panose="020F0502020204030204" pitchFamily="34" charset="0"/>
-                <a:cs typeface="Calibri" panose="020F0502020204030204" pitchFamily="34" charset="0"/>
-              </a:rPr>
-              <a:t>({ </a:t>
-            </a:r>
-            <a:r>
-              <a:rPr lang="en-US" sz="1050" b="1" dirty="0" err="1">
-                <a:solidFill>
-                  <a:srgbClr val="C00000"/>
-                </a:solidFill>
-                <a:latin typeface="Calibri" panose="020F0502020204030204" pitchFamily="34" charset="0"/>
-                <a:cs typeface="Calibri" panose="020F0502020204030204" pitchFamily="34" charset="0"/>
-              </a:rPr>
-              <a:t>appId</a:t>
-            </a:r>
-            <a:r>
-              <a:rPr lang="en-US" sz="1050" dirty="0">
-                <a:solidFill>
-                  <a:srgbClr val="C00000"/>
-                </a:solidFill>
-                <a:latin typeface="Calibri" panose="020F0502020204030204" pitchFamily="34" charset="0"/>
-                <a:cs typeface="Calibri" panose="020F0502020204030204" pitchFamily="34" charset="0"/>
-              </a:rPr>
-              <a:t>: </a:t>
-            </a:r>
-            <a:r>
-              <a:rPr lang="en-US" sz="1050" b="1" dirty="0">
-                <a:solidFill>
-                  <a:srgbClr val="C00000"/>
-                </a:solidFill>
-                <a:latin typeface="Calibri" panose="020F0502020204030204" pitchFamily="34" charset="0"/>
-                <a:cs typeface="Calibri" panose="020F0502020204030204" pitchFamily="34" charset="0"/>
-              </a:rPr>
-              <a:t>'</a:t>
-            </a:r>
-            <a:r>
-              <a:rPr lang="en-US" sz="1050" b="1" dirty="0" err="1">
-                <a:solidFill>
-                  <a:srgbClr val="C00000"/>
-                </a:solidFill>
-                <a:latin typeface="Calibri" panose="020F0502020204030204" pitchFamily="34" charset="0"/>
-                <a:cs typeface="Calibri" panose="020F0502020204030204" pitchFamily="34" charset="0"/>
-              </a:rPr>
-              <a:t>serverApp</a:t>
-            </a:r>
-            <a:r>
-              <a:rPr lang="en-US" sz="1050" b="1" dirty="0">
-                <a:solidFill>
-                  <a:srgbClr val="C00000"/>
-                </a:solidFill>
-                <a:latin typeface="Calibri" panose="020F0502020204030204" pitchFamily="34" charset="0"/>
-                <a:cs typeface="Calibri" panose="020F0502020204030204" pitchFamily="34" charset="0"/>
-              </a:rPr>
-              <a:t>'</a:t>
-            </a:r>
-            <a:r>
-              <a:rPr lang="en-US" sz="1050" dirty="0">
-                <a:solidFill>
-                  <a:srgbClr val="C00000"/>
-                </a:solidFill>
-                <a:latin typeface="Calibri" panose="020F0502020204030204" pitchFamily="34" charset="0"/>
-                <a:cs typeface="Calibri" panose="020F0502020204030204" pitchFamily="34" charset="0"/>
-              </a:rPr>
-              <a:t> })</a:t>
-            </a:r>
-          </a:p>
-          <a:p>
-            <a:pPr marL="171450" indent="-171450">
-              <a:spcAft>
-                <a:spcPts val="400"/>
-              </a:spcAft>
-              <a:buClr>
-                <a:schemeClr val="accent3"/>
-              </a:buClr>
-              <a:buFont typeface="Arial" panose="020B0604020202020204" pitchFamily="34" charset="0"/>
-              <a:buChar char="•"/>
-            </a:pPr>
-            <a:endParaRPr lang="en-US" sz="1050" dirty="0">
-              <a:solidFill>
-                <a:srgbClr val="4D4D4D"/>
-              </a:solidFill>
-            </a:endParaRPr>
           </a:p>
         </p:txBody>
       </p:sp>
     </p:spTree>
     <p:extLst>
       <p:ext uri="{BB962C8B-B14F-4D97-AF65-F5344CB8AC3E}">
-        <p14:creationId xmlns:p14="http://schemas.microsoft.com/office/powerpoint/2010/main" val="1610170497"/>
+        <p14:creationId xmlns:p14="http://schemas.microsoft.com/office/powerpoint/2010/main" val="846068057"/>
       </p:ext>
     </p:extLst>
   </p:cSld>

--- a/Sessions/MarkDown & MkDocs.pptx
+++ b/Sessions/MarkDown & MkDocs.pptx
@@ -12680,7 +12680,7 @@
                 <a:latin typeface="Calibri" panose="020F0502020204030204" pitchFamily="34" charset="0"/>
                 <a:cs typeface="Calibri" panose="020F0502020204030204" pitchFamily="34" charset="0"/>
               </a:rPr>
-              <a:t>For third party themes we need to install the theme before using it..</a:t>
+              <a:t>For third party themes we need to install the theme before using it.</a:t>
             </a:r>
           </a:p>
           <a:p>
@@ -13358,8 +13358,8 @@
         </p:nvSpPr>
         <p:spPr>
           <a:xfrm>
-            <a:off x="800100" y="819150"/>
-            <a:ext cx="8140700" cy="1384995"/>
+            <a:off x="736600" y="1060271"/>
+            <a:ext cx="8140700" cy="2308324"/>
           </a:xfrm>
           <a:prstGeom prst="rect">
             <a:avLst/>
@@ -13377,7 +13377,7 @@
               <a:buChar char="•"/>
             </a:pPr>
             <a:r>
-              <a:rPr lang="en-US" sz="1200" dirty="0">
+              <a:rPr lang="en-US" sz="2000" dirty="0">
                 <a:solidFill>
                   <a:srgbClr val="000000"/>
                 </a:solidFill>
@@ -13393,7 +13393,7 @@
               <a:buChar char="•"/>
             </a:pPr>
             <a:r>
-              <a:rPr lang="en-US" sz="1200" dirty="0">
+              <a:rPr lang="en-US" sz="2000" dirty="0">
                 <a:solidFill>
                   <a:srgbClr val="000000"/>
                 </a:solidFill>
@@ -13403,7 +13403,7 @@
               <a:t>Possible Extensions of Markdown Files : </a:t>
             </a:r>
             <a:r>
-              <a:rPr lang="en-US" sz="1200" b="1" i="1" dirty="0">
+              <a:rPr lang="en-US" sz="2000" b="1" i="1" dirty="0">
                 <a:solidFill>
                   <a:srgbClr val="000000"/>
                 </a:solidFill>
@@ -13413,7 +13413,7 @@
               <a:t>markdown, </a:t>
             </a:r>
             <a:r>
-              <a:rPr lang="en-US" sz="1200" b="1" i="1" dirty="0" err="1">
+              <a:rPr lang="en-US" sz="2000" b="1" i="1" dirty="0" err="1">
                 <a:solidFill>
                   <a:srgbClr val="000000"/>
                 </a:solidFill>
@@ -13423,7 +13423,7 @@
               <a:t>mdown</a:t>
             </a:r>
             <a:r>
-              <a:rPr lang="en-US" sz="1200" b="1" i="1" dirty="0">
+              <a:rPr lang="en-US" sz="2000" b="1" i="1" dirty="0">
                 <a:solidFill>
                   <a:srgbClr val="000000"/>
                 </a:solidFill>
@@ -13433,7 +13433,7 @@
               <a:t>, </a:t>
             </a:r>
             <a:r>
-              <a:rPr lang="en-US" sz="1200" b="1" i="1" dirty="0" err="1">
+              <a:rPr lang="en-US" sz="2000" b="1" i="1" dirty="0" err="1">
                 <a:solidFill>
                   <a:srgbClr val="000000"/>
                 </a:solidFill>
@@ -13443,7 +13443,7 @@
               <a:t>mkdn</a:t>
             </a:r>
             <a:r>
-              <a:rPr lang="en-US" sz="1200" b="1" i="1" dirty="0">
+              <a:rPr lang="en-US" sz="2000" b="1" i="1" dirty="0">
                 <a:solidFill>
                   <a:srgbClr val="000000"/>
                 </a:solidFill>
@@ -13453,7 +13453,7 @@
               <a:t>, </a:t>
             </a:r>
             <a:r>
-              <a:rPr lang="en-US" sz="1200" b="1" i="1" dirty="0" err="1">
+              <a:rPr lang="en-US" sz="2000" b="1" i="1" dirty="0" err="1">
                 <a:solidFill>
                   <a:srgbClr val="000000"/>
                 </a:solidFill>
@@ -13463,7 +13463,7 @@
               <a:t>mkd</a:t>
             </a:r>
             <a:r>
-              <a:rPr lang="en-US" sz="1200" b="1" i="1" dirty="0">
+              <a:rPr lang="en-US" sz="2000" b="1" i="1" dirty="0">
                 <a:solidFill>
                   <a:srgbClr val="000000"/>
                 </a:solidFill>
@@ -13479,7 +13479,7 @@
               <a:buChar char="•"/>
             </a:pPr>
             <a:r>
-              <a:rPr lang="en-US" sz="1200" dirty="0">
+              <a:rPr lang="en-US" sz="2000" dirty="0">
                 <a:solidFill>
                   <a:srgbClr val="000000"/>
                 </a:solidFill>
@@ -13489,7 +13489,7 @@
               <a:t>By default, this directory will be named docs and will exist at the top level of the project, alongside the </a:t>
             </a:r>
             <a:r>
-              <a:rPr lang="en-US" sz="1200" b="1" dirty="0" err="1">
+              <a:rPr lang="en-US" sz="2000" b="1" dirty="0" err="1">
                 <a:solidFill>
                   <a:srgbClr val="000000"/>
                 </a:solidFill>
@@ -13499,7 +13499,7 @@
               <a:t>mkdocs.yml</a:t>
             </a:r>
             <a:r>
-              <a:rPr lang="en-US" sz="1200" dirty="0">
+              <a:rPr lang="en-US" sz="2000" dirty="0">
                 <a:solidFill>
                   <a:srgbClr val="000000"/>
                 </a:solidFill>
@@ -13520,30 +13520,13 @@
             </a:endParaRPr>
           </a:p>
           <a:p>
-            <a:pPr lvl="0"/>
-            <a:r>
-              <a:rPr lang="en-US" sz="1200" b="1" dirty="0">
-                <a:solidFill>
-                  <a:schemeClr val="accent3">
-                    <a:lumMod val="75000"/>
-                  </a:schemeClr>
-                </a:solidFill>
-                <a:latin typeface="Calibri" panose="020F0502020204030204" pitchFamily="34" charset="0"/>
-                <a:cs typeface="Calibri" panose="020F0502020204030204" pitchFamily="34" charset="0"/>
-              </a:rPr>
-              <a:t>ADDING NAVIGATION AND PAGES</a:t>
-            </a:r>
-          </a:p>
-          <a:p>
-            <a:pPr marL="171450" indent="-171450">
+            <a:pPr>
               <a:spcAft>
                 <a:spcPts val="400"/>
               </a:spcAft>
               <a:buClr>
                 <a:schemeClr val="accent3"/>
               </a:buClr>
-              <a:buFont typeface="Arial" panose="020B0604020202020204" pitchFamily="34" charset="0"/>
-              <a:buChar char="•"/>
             </a:pPr>
             <a:endParaRPr lang="en-US" sz="1200" dirty="0">
               <a:solidFill>
@@ -14442,6 +14425,24 @@
 </file>
 
 <file path=customXml/item1.xml><?xml version="1.0" encoding="utf-8"?>
+<?mso-contentType ?>
+<FormTemplates xmlns="http://schemas.microsoft.com/sharepoint/v3/contenttype/forms">
+  <Display>DocumentLibraryForm</Display>
+  <Edit>DocumentLibraryForm</Edit>
+  <New>DocumentLibraryForm</New>
+</FormTemplates>
+</file>
+
+<file path=customXml/item2.xml><?xml version="1.0" encoding="utf-8"?>
+<p:properties xmlns:p="http://schemas.microsoft.com/office/2006/metadata/properties" xmlns:xsi="http://www.w3.org/2001/XMLSchema-instance" xmlns:pc="http://schemas.microsoft.com/office/infopath/2007/PartnerControls">
+  <documentManagement>
+    <PublishingExpirationDate xmlns="http://schemas.microsoft.com/sharepoint/v3" xsi:nil="true"/>
+    <PublishingStartDate xmlns="http://schemas.microsoft.com/sharepoint/v3" xsi:nil="true"/>
+  </documentManagement>
+</p:properties>
+</file>
+
+<file path=customXml/item3.xml><?xml version="1.0" encoding="utf-8"?>
 <ct:contentTypeSchema xmlns:ct="http://schemas.microsoft.com/office/2006/metadata/contentType" xmlns:ma="http://schemas.microsoft.com/office/2006/metadata/properties/metaAttributes" ct:_="" ma:_="" ma:contentTypeName="Document" ma:contentTypeID="0x0101005F9E30C7E3807845836FE04EDEB44627" ma:contentTypeVersion="1" ma:contentTypeDescription="Create a new document." ma:contentTypeScope="" ma:versionID="4e4146f9fc0b46525ce821da40fe5664">
   <xsd:schema xmlns:xsd="http://www.w3.org/2001/XMLSchema" xmlns:xs="http://www.w3.org/2001/XMLSchema" xmlns:p="http://schemas.microsoft.com/office/2006/metadata/properties" xmlns:ns1="http://schemas.microsoft.com/sharepoint/v3" targetNamespace="http://schemas.microsoft.com/office/2006/metadata/properties" ma:root="true" ma:fieldsID="48c5b5cd9b8d25ff6dd15848836f4270" ns1:_="">
     <xsd:import namespace="http://schemas.microsoft.com/sharepoint/v3"/>
@@ -14573,38 +14574,10 @@
 </ct:contentTypeSchema>
 </file>
 
-<file path=customXml/item2.xml><?xml version="1.0" encoding="utf-8"?>
-<p:properties xmlns:p="http://schemas.microsoft.com/office/2006/metadata/properties" xmlns:xsi="http://www.w3.org/2001/XMLSchema-instance" xmlns:pc="http://schemas.microsoft.com/office/infopath/2007/PartnerControls">
-  <documentManagement>
-    <PublishingExpirationDate xmlns="http://schemas.microsoft.com/sharepoint/v3" xsi:nil="true"/>
-    <PublishingStartDate xmlns="http://schemas.microsoft.com/sharepoint/v3" xsi:nil="true"/>
-  </documentManagement>
-</p:properties>
-</file>
-
-<file path=customXml/item3.xml><?xml version="1.0" encoding="utf-8"?>
-<?mso-contentType ?>
-<FormTemplates xmlns="http://schemas.microsoft.com/sharepoint/v3/contenttype/forms">
-  <Display>DocumentLibraryForm</Display>
-  <Edit>DocumentLibraryForm</Edit>
-  <New>DocumentLibraryForm</New>
-</FormTemplates>
-</file>
-
 <file path=customXml/itemProps1.xml><?xml version="1.0" encoding="utf-8"?>
-<ds:datastoreItem xmlns:ds="http://schemas.openxmlformats.org/officeDocument/2006/customXml" ds:itemID="{6AFE0BE7-934C-4AED-9832-7793D6216425}">
+<ds:datastoreItem xmlns:ds="http://schemas.openxmlformats.org/officeDocument/2006/customXml" ds:itemID="{E5B37333-FC49-4B18-8B6E-06846D8789DD}">
   <ds:schemaRefs>
-    <ds:schemaRef ds:uri="http://schemas.microsoft.com/office/2006/metadata/contentType"/>
-    <ds:schemaRef ds:uri="http://schemas.microsoft.com/office/2006/metadata/properties/metaAttributes"/>
-    <ds:schemaRef ds:uri="http://www.w3.org/2001/XMLSchema"/>
-    <ds:schemaRef ds:uri="http://schemas.microsoft.com/office/2006/metadata/properties"/>
-    <ds:schemaRef ds:uri="http://schemas.microsoft.com/sharepoint/v3"/>
-    <ds:schemaRef ds:uri="http://schemas.microsoft.com/office/2006/documentManagement/types"/>
-    <ds:schemaRef ds:uri="http://schemas.microsoft.com/office/infopath/2007/PartnerControls"/>
-    <ds:schemaRef ds:uri="http://schemas.openxmlformats.org/package/2006/metadata/core-properties"/>
-    <ds:schemaRef ds:uri="http://purl.org/dc/elements/1.1/"/>
-    <ds:schemaRef ds:uri="http://purl.org/dc/terms/"/>
-    <ds:schemaRef ds:uri="http://schemas.microsoft.com/internal/obd"/>
+    <ds:schemaRef ds:uri="http://schemas.microsoft.com/sharepoint/v3/contenttype/forms"/>
   </ds:schemaRefs>
 </ds:datastoreItem>
 </file>
@@ -14626,9 +14599,19 @@
 </file>
 
 <file path=customXml/itemProps3.xml><?xml version="1.0" encoding="utf-8"?>
-<ds:datastoreItem xmlns:ds="http://schemas.openxmlformats.org/officeDocument/2006/customXml" ds:itemID="{E5B37333-FC49-4B18-8B6E-06846D8789DD}">
+<ds:datastoreItem xmlns:ds="http://schemas.openxmlformats.org/officeDocument/2006/customXml" ds:itemID="{6AFE0BE7-934C-4AED-9832-7793D6216425}">
   <ds:schemaRefs>
-    <ds:schemaRef ds:uri="http://schemas.microsoft.com/sharepoint/v3/contenttype/forms"/>
+    <ds:schemaRef ds:uri="http://schemas.microsoft.com/office/2006/metadata/contentType"/>
+    <ds:schemaRef ds:uri="http://schemas.microsoft.com/office/2006/metadata/properties/metaAttributes"/>
+    <ds:schemaRef ds:uri="http://www.w3.org/2001/XMLSchema"/>
+    <ds:schemaRef ds:uri="http://schemas.microsoft.com/office/2006/metadata/properties"/>
+    <ds:schemaRef ds:uri="http://schemas.microsoft.com/sharepoint/v3"/>
+    <ds:schemaRef ds:uri="http://schemas.microsoft.com/office/2006/documentManagement/types"/>
+    <ds:schemaRef ds:uri="http://schemas.microsoft.com/office/infopath/2007/PartnerControls"/>
+    <ds:schemaRef ds:uri="http://schemas.openxmlformats.org/package/2006/metadata/core-properties"/>
+    <ds:schemaRef ds:uri="http://purl.org/dc/elements/1.1/"/>
+    <ds:schemaRef ds:uri="http://purl.org/dc/terms/"/>
+    <ds:schemaRef ds:uri="http://schemas.microsoft.com/internal/obd"/>
   </ds:schemaRefs>
 </ds:datastoreItem>
 </file>